--- a/(宣道詩1)擁戴為王.pptx
+++ b/(宣道詩1)擁戴為王.pptx
@@ -6,17 +6,12 @@
   </p:sldMasterIdLst>
   <p:sldIdLst>
     <p:sldId id="256" r:id="rId2"/>
-    <p:sldId id="257" r:id="rId3"/>
-    <p:sldId id="258" r:id="rId4"/>
-    <p:sldId id="259" r:id="rId5"/>
-    <p:sldId id="260" r:id="rId6"/>
-    <p:sldId id="261" r:id="rId7"/>
-    <p:sldId id="262" r:id="rId8"/>
-    <p:sldId id="263" r:id="rId9"/>
-    <p:sldId id="264" r:id="rId10"/>
-    <p:sldId id="265" r:id="rId11"/>
+    <p:sldId id="258" r:id="rId3"/>
+    <p:sldId id="260" r:id="rId4"/>
+    <p:sldId id="262" r:id="rId5"/>
+    <p:sldId id="264" r:id="rId6"/>
   </p:sldIdLst>
-  <p:sldSz cx="9144000" cy="6858000" type="screen4x3"/>
+  <p:sldSz cx="9144000" cy="5143500" type="screen16x9"/>
   <p:notesSz cx="6858000" cy="9144000"/>
   <p:defaultTextStyle>
     <a:defPPr>
@@ -145,8 +140,8 @@
         </p:nvSpPr>
         <p:spPr>
           <a:xfrm>
-            <a:off x="685800" y="2130425"/>
-            <a:ext cx="7772400" cy="1470025"/>
+            <a:off x="685800" y="1597819"/>
+            <a:ext cx="7772400" cy="1102519"/>
           </a:xfrm>
         </p:spPr>
         <p:txBody>
@@ -173,8 +168,8 @@
         </p:nvSpPr>
         <p:spPr>
           <a:xfrm>
-            <a:off x="1371600" y="3886200"/>
-            <a:ext cx="6400800" cy="1752600"/>
+            <a:off x="1371600" y="2914650"/>
+            <a:ext cx="6400800" cy="1314450"/>
           </a:xfrm>
         </p:spPr>
         <p:txBody>
@@ -297,7 +292,7 @@
           <a:p>
             <a:fld id="{8ACD5DE7-6A17-44FC-86F1-EC2EE6B5147A}" type="datetimeFigureOut">
               <a:rPr lang="zh-TW" altLang="en-US" smtClean="0"/>
-              <a:t>2017/12/28</a:t>
+              <a:t>2019/8/31</a:t>
             </a:fld>
             <a:endParaRPr lang="zh-TW" altLang="en-US"/>
           </a:p>
@@ -462,7 +457,7 @@
           <a:p>
             <a:fld id="{8ACD5DE7-6A17-44FC-86F1-EC2EE6B5147A}" type="datetimeFigureOut">
               <a:rPr lang="zh-TW" altLang="en-US" smtClean="0"/>
-              <a:t>2017/12/28</a:t>
+              <a:t>2019/8/31</a:t>
             </a:fld>
             <a:endParaRPr lang="zh-TW" altLang="en-US"/>
           </a:p>
@@ -547,8 +542,8 @@
         </p:nvSpPr>
         <p:spPr>
           <a:xfrm>
-            <a:off x="6629400" y="274638"/>
-            <a:ext cx="2057400" cy="5851525"/>
+            <a:off x="6629400" y="205979"/>
+            <a:ext cx="2057400" cy="4388644"/>
           </a:xfrm>
         </p:spPr>
         <p:txBody>
@@ -575,8 +570,8 @@
         </p:nvSpPr>
         <p:spPr>
           <a:xfrm>
-            <a:off x="457200" y="274638"/>
-            <a:ext cx="6019800" cy="5851525"/>
+            <a:off x="457200" y="205979"/>
+            <a:ext cx="6019800" cy="4388644"/>
           </a:xfrm>
         </p:spPr>
         <p:txBody>
@@ -637,7 +632,7 @@
           <a:p>
             <a:fld id="{8ACD5DE7-6A17-44FC-86F1-EC2EE6B5147A}" type="datetimeFigureOut">
               <a:rPr lang="zh-TW" altLang="en-US" smtClean="0"/>
-              <a:t>2017/12/28</a:t>
+              <a:t>2019/8/31</a:t>
             </a:fld>
             <a:endParaRPr lang="zh-TW" altLang="en-US"/>
           </a:p>
@@ -802,7 +797,7 @@
           <a:p>
             <a:fld id="{8ACD5DE7-6A17-44FC-86F1-EC2EE6B5147A}" type="datetimeFigureOut">
               <a:rPr lang="zh-TW" altLang="en-US" smtClean="0"/>
-              <a:t>2017/12/28</a:t>
+              <a:t>2019/8/31</a:t>
             </a:fld>
             <a:endParaRPr lang="zh-TW" altLang="en-US"/>
           </a:p>
@@ -887,8 +882,8 @@
         </p:nvSpPr>
         <p:spPr>
           <a:xfrm>
-            <a:off x="722313" y="4406900"/>
-            <a:ext cx="7772400" cy="1362075"/>
+            <a:off x="722313" y="3305176"/>
+            <a:ext cx="7772400" cy="1021556"/>
           </a:xfrm>
         </p:spPr>
         <p:txBody>
@@ -919,8 +914,8 @@
         </p:nvSpPr>
         <p:spPr>
           <a:xfrm>
-            <a:off x="722313" y="2906713"/>
-            <a:ext cx="7772400" cy="1500187"/>
+            <a:off x="722313" y="2180035"/>
+            <a:ext cx="7772400" cy="1125140"/>
           </a:xfrm>
         </p:spPr>
         <p:txBody>
@@ -1043,7 +1038,7 @@
           <a:p>
             <a:fld id="{8ACD5DE7-6A17-44FC-86F1-EC2EE6B5147A}" type="datetimeFigureOut">
               <a:rPr lang="zh-TW" altLang="en-US" smtClean="0"/>
-              <a:t>2017/12/28</a:t>
+              <a:t>2019/8/31</a:t>
             </a:fld>
             <a:endParaRPr lang="zh-TW" altLang="en-US"/>
           </a:p>
@@ -1151,8 +1146,8 @@
         </p:nvSpPr>
         <p:spPr>
           <a:xfrm>
-            <a:off x="457200" y="1600200"/>
-            <a:ext cx="4038600" cy="4525963"/>
+            <a:off x="457200" y="1200151"/>
+            <a:ext cx="4038600" cy="3394472"/>
           </a:xfrm>
         </p:spPr>
         <p:txBody>
@@ -1236,8 +1231,8 @@
         </p:nvSpPr>
         <p:spPr>
           <a:xfrm>
-            <a:off x="4648200" y="1600200"/>
-            <a:ext cx="4038600" cy="4525963"/>
+            <a:off x="4648200" y="1200151"/>
+            <a:ext cx="4038600" cy="3394472"/>
           </a:xfrm>
         </p:spPr>
         <p:txBody>
@@ -1326,7 +1321,7 @@
           <a:p>
             <a:fld id="{8ACD5DE7-6A17-44FC-86F1-EC2EE6B5147A}" type="datetimeFigureOut">
               <a:rPr lang="zh-TW" altLang="en-US" smtClean="0"/>
-              <a:t>2017/12/28</a:t>
+              <a:t>2019/8/31</a:t>
             </a:fld>
             <a:endParaRPr lang="zh-TW" altLang="en-US"/>
           </a:p>
@@ -1438,8 +1433,8 @@
         </p:nvSpPr>
         <p:spPr>
           <a:xfrm>
-            <a:off x="457200" y="1535113"/>
-            <a:ext cx="4040188" cy="639762"/>
+            <a:off x="457200" y="1151335"/>
+            <a:ext cx="4040188" cy="479822"/>
           </a:xfrm>
         </p:spPr>
         <p:txBody>
@@ -1503,8 +1498,8 @@
         </p:nvSpPr>
         <p:spPr>
           <a:xfrm>
-            <a:off x="457200" y="2174875"/>
-            <a:ext cx="4040188" cy="3951288"/>
+            <a:off x="457200" y="1631156"/>
+            <a:ext cx="4040188" cy="2963466"/>
           </a:xfrm>
         </p:spPr>
         <p:txBody>
@@ -1588,8 +1583,8 @@
         </p:nvSpPr>
         <p:spPr>
           <a:xfrm>
-            <a:off x="4645025" y="1535113"/>
-            <a:ext cx="4041775" cy="639762"/>
+            <a:off x="4645026" y="1151335"/>
+            <a:ext cx="4041775" cy="479822"/>
           </a:xfrm>
         </p:spPr>
         <p:txBody>
@@ -1653,8 +1648,8 @@
         </p:nvSpPr>
         <p:spPr>
           <a:xfrm>
-            <a:off x="4645025" y="2174875"/>
-            <a:ext cx="4041775" cy="3951288"/>
+            <a:off x="4645026" y="1631156"/>
+            <a:ext cx="4041775" cy="2963466"/>
           </a:xfrm>
         </p:spPr>
         <p:txBody>
@@ -1743,7 +1738,7 @@
           <a:p>
             <a:fld id="{8ACD5DE7-6A17-44FC-86F1-EC2EE6B5147A}" type="datetimeFigureOut">
               <a:rPr lang="zh-TW" altLang="en-US" smtClean="0"/>
-              <a:t>2017/12/28</a:t>
+              <a:t>2019/8/31</a:t>
             </a:fld>
             <a:endParaRPr lang="zh-TW" altLang="en-US"/>
           </a:p>
@@ -1856,7 +1851,7 @@
           <a:p>
             <a:fld id="{8ACD5DE7-6A17-44FC-86F1-EC2EE6B5147A}" type="datetimeFigureOut">
               <a:rPr lang="zh-TW" altLang="en-US" smtClean="0"/>
-              <a:t>2017/12/28</a:t>
+              <a:t>2019/8/31</a:t>
             </a:fld>
             <a:endParaRPr lang="zh-TW" altLang="en-US"/>
           </a:p>
@@ -1946,7 +1941,7 @@
           <a:p>
             <a:fld id="{8ACD5DE7-6A17-44FC-86F1-EC2EE6B5147A}" type="datetimeFigureOut">
               <a:rPr lang="zh-TW" altLang="en-US" smtClean="0"/>
-              <a:t>2017/12/28</a:t>
+              <a:t>2019/8/31</a:t>
             </a:fld>
             <a:endParaRPr lang="zh-TW" altLang="en-US"/>
           </a:p>
@@ -2031,8 +2026,8 @@
         </p:nvSpPr>
         <p:spPr>
           <a:xfrm>
-            <a:off x="457200" y="273050"/>
-            <a:ext cx="3008313" cy="1162050"/>
+            <a:off x="457201" y="204787"/>
+            <a:ext cx="3008313" cy="871538"/>
           </a:xfrm>
         </p:spPr>
         <p:txBody>
@@ -2063,8 +2058,8 @@
         </p:nvSpPr>
         <p:spPr>
           <a:xfrm>
-            <a:off x="3575050" y="273050"/>
-            <a:ext cx="5111750" cy="5853113"/>
+            <a:off x="3575050" y="204788"/>
+            <a:ext cx="5111750" cy="4389835"/>
           </a:xfrm>
         </p:spPr>
         <p:txBody>
@@ -2148,8 +2143,8 @@
         </p:nvSpPr>
         <p:spPr>
           <a:xfrm>
-            <a:off x="457200" y="1435100"/>
-            <a:ext cx="3008313" cy="4691063"/>
+            <a:off x="457201" y="1076326"/>
+            <a:ext cx="3008313" cy="3518297"/>
           </a:xfrm>
         </p:spPr>
         <p:txBody>
@@ -2218,7 +2213,7 @@
           <a:p>
             <a:fld id="{8ACD5DE7-6A17-44FC-86F1-EC2EE6B5147A}" type="datetimeFigureOut">
               <a:rPr lang="zh-TW" altLang="en-US" smtClean="0"/>
-              <a:t>2017/12/28</a:t>
+              <a:t>2019/8/31</a:t>
             </a:fld>
             <a:endParaRPr lang="zh-TW" altLang="en-US"/>
           </a:p>
@@ -2303,8 +2298,8 @@
         </p:nvSpPr>
         <p:spPr>
           <a:xfrm>
-            <a:off x="1792288" y="4800600"/>
-            <a:ext cx="5486400" cy="566738"/>
+            <a:off x="1792288" y="3600450"/>
+            <a:ext cx="5486400" cy="425054"/>
           </a:xfrm>
         </p:spPr>
         <p:txBody>
@@ -2335,8 +2330,8 @@
         </p:nvSpPr>
         <p:spPr>
           <a:xfrm>
-            <a:off x="1792288" y="612775"/>
-            <a:ext cx="5486400" cy="4114800"/>
+            <a:off x="1792288" y="459581"/>
+            <a:ext cx="5486400" cy="3086100"/>
           </a:xfrm>
         </p:spPr>
         <p:txBody>
@@ -2400,8 +2395,8 @@
         </p:nvSpPr>
         <p:spPr>
           <a:xfrm>
-            <a:off x="1792288" y="5367338"/>
-            <a:ext cx="5486400" cy="804862"/>
+            <a:off x="1792288" y="4025503"/>
+            <a:ext cx="5486400" cy="603647"/>
           </a:xfrm>
         </p:spPr>
         <p:txBody>
@@ -2470,7 +2465,7 @@
           <a:p>
             <a:fld id="{8ACD5DE7-6A17-44FC-86F1-EC2EE6B5147A}" type="datetimeFigureOut">
               <a:rPr lang="zh-TW" altLang="en-US" smtClean="0"/>
-              <a:t>2017/12/28</a:t>
+              <a:t>2019/8/31</a:t>
             </a:fld>
             <a:endParaRPr lang="zh-TW" altLang="en-US"/>
           </a:p>
@@ -2565,8 +2560,8 @@
         </p:nvSpPr>
         <p:spPr>
           <a:xfrm>
-            <a:off x="457200" y="274638"/>
-            <a:ext cx="8229600" cy="1143000"/>
+            <a:off x="457200" y="205979"/>
+            <a:ext cx="8229600" cy="857250"/>
           </a:xfrm>
           <a:prstGeom prst="rect">
             <a:avLst/>
@@ -2598,8 +2593,8 @@
         </p:nvSpPr>
         <p:spPr>
           <a:xfrm>
-            <a:off x="457200" y="1600200"/>
-            <a:ext cx="8229600" cy="4525963"/>
+            <a:off x="457200" y="1200151"/>
+            <a:ext cx="8229600" cy="3394472"/>
           </a:xfrm>
           <a:prstGeom prst="rect">
             <a:avLst/>
@@ -2660,8 +2655,8 @@
         </p:nvSpPr>
         <p:spPr>
           <a:xfrm>
-            <a:off x="457200" y="6356350"/>
-            <a:ext cx="2133600" cy="365125"/>
+            <a:off x="457200" y="4767263"/>
+            <a:ext cx="2133600" cy="273844"/>
           </a:xfrm>
           <a:prstGeom prst="rect">
             <a:avLst/>
@@ -2683,7 +2678,7 @@
           <a:p>
             <a:fld id="{8ACD5DE7-6A17-44FC-86F1-EC2EE6B5147A}" type="datetimeFigureOut">
               <a:rPr lang="zh-TW" altLang="en-US" smtClean="0"/>
-              <a:t>2017/12/28</a:t>
+              <a:t>2019/8/31</a:t>
             </a:fld>
             <a:endParaRPr lang="zh-TW" altLang="en-US"/>
           </a:p>
@@ -2701,8 +2696,8 @@
         </p:nvSpPr>
         <p:spPr>
           <a:xfrm>
-            <a:off x="3124200" y="6356350"/>
-            <a:ext cx="2895600" cy="365125"/>
+            <a:off x="3124200" y="4767263"/>
+            <a:ext cx="2895600" cy="273844"/>
           </a:xfrm>
           <a:prstGeom prst="rect">
             <a:avLst/>
@@ -2738,8 +2733,8 @@
         </p:nvSpPr>
         <p:spPr>
           <a:xfrm>
-            <a:off x="6553200" y="6356350"/>
-            <a:ext cx="2133600" cy="365125"/>
+            <a:off x="6553200" y="4767263"/>
+            <a:ext cx="2133600" cy="273844"/>
           </a:xfrm>
           <a:prstGeom prst="rect">
             <a:avLst/>
@@ -3065,44 +3060,51 @@
         </p:nvSpPr>
         <p:spPr/>
         <p:txBody>
-          <a:bodyPr/>
-          <a:lstStyle/>
-          <a:p>
-            <a:r>
-              <a:rPr lang="zh-TW" altLang="en-US" b="1" dirty="0">
-                <a:solidFill>
-                  <a:srgbClr val="000066"/>
-                </a:solidFill>
-                <a:latin typeface="微軟正黑體" pitchFamily="34" charset="-120"/>
-                <a:ea typeface="微軟正黑體" pitchFamily="34" charset="-120"/>
-              </a:rPr>
-              <a:t>擁戴為王</a:t>
-            </a:r>
-          </a:p>
-        </p:txBody>
-      </p:sp>
-      <p:sp>
-        <p:nvSpPr>
-          <p:cNvPr id="4" name="內容版面配置區 3"/>
-          <p:cNvSpPr>
-            <a:spLocks noGrp="1"/>
-          </p:cNvSpPr>
-          <p:nvPr>
-            <p:ph idx="1"/>
-          </p:nvPr>
-        </p:nvSpPr>
-        <p:spPr/>
-        <p:txBody>
           <a:bodyPr>
             <a:normAutofit/>
           </a:bodyPr>
           <a:lstStyle/>
           <a:p>
+            <a:r>
+              <a:rPr lang="zh-TW" altLang="en-US" sz="4000" b="1" dirty="0">
+                <a:solidFill>
+                  <a:srgbClr val="000066"/>
+                </a:solidFill>
+                <a:latin typeface="微軟正黑體" pitchFamily="34" charset="-120"/>
+                <a:ea typeface="微軟正黑體" pitchFamily="34" charset="-120"/>
+              </a:rPr>
+              <a:t>擁戴為王</a:t>
+            </a:r>
+          </a:p>
+        </p:txBody>
+      </p:sp>
+      <p:sp>
+        <p:nvSpPr>
+          <p:cNvPr id="4" name="內容版面配置區 3"/>
+          <p:cNvSpPr>
+            <a:spLocks noGrp="1"/>
+          </p:cNvSpPr>
+          <p:nvPr>
+            <p:ph idx="1"/>
+          </p:nvPr>
+        </p:nvSpPr>
+        <p:spPr>
+          <a:xfrm>
+            <a:off x="0" y="1200151"/>
+            <a:ext cx="9144000" cy="3394472"/>
+          </a:xfrm>
+        </p:spPr>
+        <p:txBody>
+          <a:bodyPr>
+            <a:noAutofit/>
+          </a:bodyPr>
+          <a:lstStyle/>
+          <a:p>
             <a:pPr algn="ctr">
               <a:buNone/>
             </a:pPr>
             <a:r>
-              <a:rPr lang="zh-TW" altLang="en-US" sz="5400" b="1" dirty="0">
+              <a:rPr lang="zh-TW" altLang="en-US" sz="4800" b="1" dirty="0">
                 <a:solidFill>
                   <a:srgbClr val="000066"/>
                 </a:solidFill>
@@ -3112,7 +3114,7 @@
               <a:t>快來擁戴為</a:t>
             </a:r>
             <a:r>
-              <a:rPr lang="zh-TW" altLang="en-US" sz="5400" b="1" dirty="0" smtClean="0">
+              <a:rPr lang="zh-TW" altLang="en-US" sz="4800" b="1" dirty="0" smtClean="0">
                 <a:solidFill>
                   <a:srgbClr val="000066"/>
                 </a:solidFill>
@@ -3121,7 +3123,47 @@
               </a:rPr>
               <a:t>王</a:t>
             </a:r>
-            <a:endParaRPr lang="en-US" altLang="zh-TW" sz="5400" b="1" dirty="0" smtClean="0">
+            <a:r>
+              <a:rPr lang="en-US" altLang="zh-TW" sz="4800" b="1" dirty="0" smtClean="0">
+                <a:solidFill>
+                  <a:srgbClr val="000066"/>
+                </a:solidFill>
+                <a:latin typeface="微軟正黑體" pitchFamily="34" charset="-120"/>
+                <a:ea typeface="微軟正黑體" pitchFamily="34" charset="-120"/>
+              </a:rPr>
+              <a:t>  </a:t>
+            </a:r>
+            <a:r>
+              <a:rPr lang="zh-TW" altLang="en-US" sz="4800" b="1" dirty="0" smtClean="0">
+                <a:solidFill>
+                  <a:srgbClr val="000066"/>
+                </a:solidFill>
+                <a:latin typeface="微軟正黑體" pitchFamily="34" charset="-120"/>
+                <a:ea typeface="微軟正黑體" pitchFamily="34" charset="-120"/>
+              </a:rPr>
+              <a:t>聖</a:t>
+            </a:r>
+            <a:r>
+              <a:rPr lang="zh-TW" altLang="en-US" sz="4800" b="1" dirty="0">
+                <a:solidFill>
+                  <a:srgbClr val="000066"/>
+                </a:solidFill>
+                <a:latin typeface="微軟正黑體" pitchFamily="34" charset="-120"/>
+                <a:ea typeface="微軟正黑體" pitchFamily="34" charset="-120"/>
+              </a:rPr>
+              <a:t>羔在寶座</a:t>
+            </a:r>
+            <a:r>
+              <a:rPr lang="zh-TW" altLang="en-US" sz="4800" b="1" dirty="0">
+                <a:solidFill>
+                  <a:srgbClr val="000066"/>
+                </a:solidFill>
+                <a:latin typeface="微軟正黑體" pitchFamily="34" charset="-120"/>
+                <a:ea typeface="微軟正黑體" pitchFamily="34" charset="-120"/>
+              </a:rPr>
+              <a:t>上</a:t>
+            </a:r>
+            <a:endParaRPr lang="en-US" altLang="zh-TW" sz="4800" b="1" dirty="0">
               <a:solidFill>
                 <a:srgbClr val="000066"/>
               </a:solidFill>
@@ -3134,36 +3176,86 @@
               <a:buNone/>
             </a:pPr>
             <a:r>
-              <a:rPr lang="zh-TW" altLang="en-US" sz="5400" b="1" dirty="0" smtClean="0">
-                <a:solidFill>
-                  <a:srgbClr val="000066"/>
-                </a:solidFill>
-                <a:latin typeface="微軟正黑體" pitchFamily="34" charset="-120"/>
-                <a:ea typeface="微軟正黑體" pitchFamily="34" charset="-120"/>
-              </a:rPr>
-              <a:t>聖</a:t>
-            </a:r>
-            <a:r>
-              <a:rPr lang="zh-TW" altLang="en-US" sz="5400" b="1" dirty="0">
-                <a:solidFill>
-                  <a:srgbClr val="000066"/>
-                </a:solidFill>
-                <a:latin typeface="微軟正黑體" pitchFamily="34" charset="-120"/>
-                <a:ea typeface="微軟正黑體" pitchFamily="34" charset="-120"/>
-              </a:rPr>
-              <a:t>羔在寶座</a:t>
-            </a:r>
-            <a:r>
-              <a:rPr lang="zh-TW" altLang="en-US" sz="5400" b="1" dirty="0" smtClean="0">
-                <a:solidFill>
-                  <a:srgbClr val="000066"/>
-                </a:solidFill>
-                <a:latin typeface="微軟正黑體" pitchFamily="34" charset="-120"/>
-                <a:ea typeface="微軟正黑體" pitchFamily="34" charset="-120"/>
-              </a:rPr>
-              <a:t>上</a:t>
-            </a:r>
-            <a:endParaRPr lang="en-US" altLang="zh-TW" sz="5400" b="1" dirty="0">
+              <a:rPr lang="zh-TW" altLang="en-US" sz="4800" b="1" dirty="0">
+                <a:solidFill>
+                  <a:srgbClr val="000066"/>
+                </a:solidFill>
+                <a:latin typeface="微軟正黑體" pitchFamily="34" charset="-120"/>
+                <a:ea typeface="微軟正黑體" pitchFamily="34" charset="-120"/>
+              </a:rPr>
+              <a:t>聽</a:t>
+            </a:r>
+            <a:r>
+              <a:rPr lang="zh-TW" altLang="en-US" sz="4800" b="1" dirty="0">
+                <a:solidFill>
+                  <a:srgbClr val="000066"/>
+                </a:solidFill>
+                <a:latin typeface="微軟正黑體" pitchFamily="34" charset="-120"/>
+                <a:ea typeface="微軟正黑體" pitchFamily="34" charset="-120"/>
+              </a:rPr>
+              <a:t>啊好樂傳遍諸</a:t>
+            </a:r>
+            <a:r>
+              <a:rPr lang="zh-TW" altLang="en-US" sz="4800" b="1" dirty="0" smtClean="0">
+                <a:solidFill>
+                  <a:srgbClr val="000066"/>
+                </a:solidFill>
+                <a:latin typeface="微軟正黑體" pitchFamily="34" charset="-120"/>
+                <a:ea typeface="微軟正黑體" pitchFamily="34" charset="-120"/>
+              </a:rPr>
+              <a:t>天</a:t>
+            </a:r>
+            <a:r>
+              <a:rPr lang="en-US" altLang="zh-TW" sz="4800" b="1" dirty="0" smtClean="0">
+                <a:solidFill>
+                  <a:srgbClr val="000066"/>
+                </a:solidFill>
+                <a:latin typeface="微軟正黑體" pitchFamily="34" charset="-120"/>
+                <a:ea typeface="微軟正黑體" pitchFamily="34" charset="-120"/>
+              </a:rPr>
+              <a:t>  </a:t>
+            </a:r>
+            <a:r>
+              <a:rPr lang="zh-TW" altLang="en-US" sz="4800" b="1" dirty="0" smtClean="0">
+                <a:solidFill>
+                  <a:srgbClr val="000066"/>
+                </a:solidFill>
+                <a:latin typeface="微軟正黑體" pitchFamily="34" charset="-120"/>
+                <a:ea typeface="微軟正黑體" pitchFamily="34" charset="-120"/>
+              </a:rPr>
+              <a:t>和</a:t>
+            </a:r>
+            <a:r>
+              <a:rPr lang="zh-TW" altLang="en-US" sz="4800" b="1" dirty="0">
+                <a:solidFill>
+                  <a:srgbClr val="000066"/>
+                </a:solidFill>
+                <a:latin typeface="微軟正黑體" pitchFamily="34" charset="-120"/>
+                <a:ea typeface="微軟正黑體" pitchFamily="34" charset="-120"/>
+              </a:rPr>
+              <a:t>聲</a:t>
+            </a:r>
+            <a:r>
+              <a:rPr lang="zh-TW" altLang="en-US" sz="4800" b="1" dirty="0">
+                <a:solidFill>
+                  <a:srgbClr val="000066"/>
+                </a:solidFill>
+                <a:latin typeface="微軟正黑體" pitchFamily="34" charset="-120"/>
+                <a:ea typeface="微軟正黑體" pitchFamily="34" charset="-120"/>
+              </a:rPr>
+              <a:t>壓倒群</a:t>
+            </a:r>
+            <a:r>
+              <a:rPr lang="zh-TW" altLang="en-US" sz="4800" b="1" dirty="0" smtClean="0">
+                <a:solidFill>
+                  <a:srgbClr val="000066"/>
+                </a:solidFill>
+                <a:latin typeface="微軟正黑體" pitchFamily="34" charset="-120"/>
+                <a:ea typeface="微軟正黑體" pitchFamily="34" charset="-120"/>
+              </a:rPr>
+              <a:t>響</a:t>
+            </a:r>
+            <a:endParaRPr lang="en-US" altLang="zh-TW" sz="4800" b="1" dirty="0" smtClean="0">
               <a:solidFill>
                 <a:srgbClr val="000066"/>
               </a:solidFill>
@@ -3176,36 +3268,56 @@
               <a:buNone/>
             </a:pPr>
             <a:r>
-              <a:rPr lang="zh-TW" altLang="en-US" sz="5400" b="1" dirty="0" smtClean="0">
-                <a:solidFill>
-                  <a:srgbClr val="000066"/>
-                </a:solidFill>
-                <a:latin typeface="微軟正黑體" pitchFamily="34" charset="-120"/>
-                <a:ea typeface="微軟正黑體" pitchFamily="34" charset="-120"/>
-              </a:rPr>
-              <a:t>聽</a:t>
-            </a:r>
-            <a:r>
-              <a:rPr lang="zh-TW" altLang="en-US" sz="5400" b="1" dirty="0">
-                <a:solidFill>
-                  <a:srgbClr val="000066"/>
-                </a:solidFill>
-                <a:latin typeface="微軟正黑體" pitchFamily="34" charset="-120"/>
-                <a:ea typeface="微軟正黑體" pitchFamily="34" charset="-120"/>
-              </a:rPr>
-              <a:t>啊好樂傳遍諸</a:t>
-            </a:r>
-            <a:r>
-              <a:rPr lang="zh-TW" altLang="en-US" sz="5400" b="1" dirty="0" smtClean="0">
-                <a:solidFill>
-                  <a:srgbClr val="000066"/>
-                </a:solidFill>
-                <a:latin typeface="微軟正黑體" pitchFamily="34" charset="-120"/>
-                <a:ea typeface="微軟正黑體" pitchFamily="34" charset="-120"/>
-              </a:rPr>
-              <a:t>天</a:t>
-            </a:r>
-            <a:endParaRPr lang="en-US" altLang="zh-TW" sz="5400" b="1" dirty="0" smtClean="0">
+              <a:rPr lang="zh-TW" altLang="en-US" sz="4800" b="1" dirty="0">
+                <a:solidFill>
+                  <a:srgbClr val="000066"/>
+                </a:solidFill>
+                <a:latin typeface="微軟正黑體" pitchFamily="34" charset="-120"/>
+                <a:ea typeface="微軟正黑體" pitchFamily="34" charset="-120"/>
+              </a:rPr>
+              <a:t>醒啊我心同</a:t>
+            </a:r>
+            <a:r>
+              <a:rPr lang="zh-TW" altLang="en-US" sz="4800" b="1" dirty="0" smtClean="0">
+                <a:solidFill>
+                  <a:srgbClr val="000066"/>
+                </a:solidFill>
+                <a:latin typeface="微軟正黑體" pitchFamily="34" charset="-120"/>
+                <a:ea typeface="微軟正黑體" pitchFamily="34" charset="-120"/>
+              </a:rPr>
+              <a:t>唱</a:t>
+            </a:r>
+            <a:r>
+              <a:rPr lang="en-US" altLang="zh-TW" sz="4800" b="1" dirty="0" smtClean="0">
+                <a:solidFill>
+                  <a:srgbClr val="000066"/>
+                </a:solidFill>
+                <a:latin typeface="微軟正黑體" pitchFamily="34" charset="-120"/>
+                <a:ea typeface="微軟正黑體" pitchFamily="34" charset="-120"/>
+              </a:rPr>
+              <a:t>  </a:t>
+            </a:r>
+            <a:r>
+              <a:rPr lang="zh-TW" altLang="en-US" sz="4800" b="1" dirty="0" smtClean="0">
+                <a:solidFill>
+                  <a:srgbClr val="000066"/>
+                </a:solidFill>
+                <a:latin typeface="微軟正黑體" pitchFamily="34" charset="-120"/>
+                <a:ea typeface="微軟正黑體" pitchFamily="34" charset="-120"/>
+              </a:rPr>
+              <a:t>頌</a:t>
+            </a:r>
+            <a:r>
+              <a:rPr lang="zh-TW" altLang="en-US" sz="4800" b="1" dirty="0">
+                <a:solidFill>
+                  <a:srgbClr val="000066"/>
+                </a:solidFill>
+                <a:latin typeface="微軟正黑體" pitchFamily="34" charset="-120"/>
+                <a:ea typeface="微軟正黑體" pitchFamily="34" charset="-120"/>
+              </a:rPr>
+              <a:t>祂救恩浩蕩</a:t>
+            </a:r>
+            <a:endParaRPr lang="en-US" altLang="zh-TW" sz="4800" b="1" dirty="0">
               <a:solidFill>
                 <a:srgbClr val="000066"/>
               </a:solidFill>
@@ -3218,122 +3330,61 @@
               <a:buNone/>
             </a:pPr>
             <a:r>
-              <a:rPr lang="zh-TW" altLang="en-US" sz="5400" b="1" dirty="0" smtClean="0">
-                <a:solidFill>
-                  <a:srgbClr val="000066"/>
-                </a:solidFill>
-                <a:latin typeface="微軟正黑體" pitchFamily="34" charset="-120"/>
-                <a:ea typeface="微軟正黑體" pitchFamily="34" charset="-120"/>
-              </a:rPr>
-              <a:t>和聲</a:t>
-            </a:r>
-            <a:r>
-              <a:rPr lang="zh-TW" altLang="en-US" sz="5400" b="1" dirty="0">
-                <a:solidFill>
-                  <a:srgbClr val="000066"/>
-                </a:solidFill>
-                <a:latin typeface="微軟正黑體" pitchFamily="34" charset="-120"/>
-                <a:ea typeface="微軟正黑體" pitchFamily="34" charset="-120"/>
-              </a:rPr>
-              <a:t>壓倒群響</a:t>
-            </a:r>
-          </a:p>
-        </p:txBody>
-      </p:sp>
-    </p:spTree>
-  </p:cSld>
-  <p:clrMapOvr>
-    <a:masterClrMapping/>
-  </p:clrMapOvr>
-</p:sld>
-</file>
-
-<file path=ppt/slides/slide10.xml><?xml version="1.0" encoding="utf-8"?>
-<p:sld xmlns:a="http://schemas.openxmlformats.org/drawingml/2006/main" xmlns:r="http://schemas.openxmlformats.org/officeDocument/2006/relationships" xmlns:p="http://schemas.openxmlformats.org/presentationml/2006/main">
-  <p:cSld>
-    <p:spTree>
-      <p:nvGrpSpPr>
-        <p:cNvPr id="1" name=""/>
-        <p:cNvGrpSpPr/>
-        <p:nvPr/>
-      </p:nvGrpSpPr>
-      <p:grpSpPr>
-        <a:xfrm>
-          <a:off x="0" y="0"/>
-          <a:ext cx="0" cy="0"/>
-          <a:chOff x="0" y="0"/>
-          <a:chExt cx="0" cy="0"/>
-        </a:xfrm>
-      </p:grpSpPr>
-      <p:sp>
-        <p:nvSpPr>
-          <p:cNvPr id="2" name="標題 1"/>
-          <p:cNvSpPr>
-            <a:spLocks noGrp="1"/>
-          </p:cNvSpPr>
-          <p:nvPr>
-            <p:ph type="title"/>
-          </p:nvPr>
-        </p:nvSpPr>
-        <p:spPr/>
-        <p:txBody>
-          <a:bodyPr/>
-          <a:lstStyle/>
-          <a:p>
-            <a:r>
-              <a:rPr lang="zh-TW" altLang="en-US" b="1" dirty="0">
-                <a:solidFill>
-                  <a:srgbClr val="000066"/>
-                </a:solidFill>
-                <a:latin typeface="微軟正黑體" pitchFamily="34" charset="-120"/>
-                <a:ea typeface="微軟正黑體" pitchFamily="34" charset="-120"/>
-              </a:rPr>
-              <a:t>擁戴為王</a:t>
-            </a:r>
-          </a:p>
-        </p:txBody>
-      </p:sp>
-      <p:sp>
-        <p:nvSpPr>
-          <p:cNvPr id="4" name="內容版面配置區 3"/>
-          <p:cNvSpPr>
-            <a:spLocks noGrp="1"/>
-          </p:cNvSpPr>
-          <p:nvPr>
-            <p:ph idx="1"/>
-          </p:nvPr>
-        </p:nvSpPr>
-        <p:spPr/>
-        <p:txBody>
-          <a:bodyPr>
-            <a:normAutofit/>
-          </a:bodyPr>
-          <a:lstStyle/>
+              <a:rPr lang="zh-TW" altLang="en-US" sz="4800" b="1" dirty="0">
+                <a:solidFill>
+                  <a:srgbClr val="000066"/>
+                </a:solidFill>
+                <a:latin typeface="微軟正黑體" pitchFamily="34" charset="-120"/>
+                <a:ea typeface="微軟正黑體" pitchFamily="34" charset="-120"/>
+              </a:rPr>
+              <a:t>歡呼為你受死之</a:t>
+            </a:r>
+            <a:r>
+              <a:rPr lang="zh-TW" altLang="en-US" sz="4800" b="1" dirty="0" smtClean="0">
+                <a:solidFill>
+                  <a:srgbClr val="000066"/>
+                </a:solidFill>
+                <a:latin typeface="微軟正黑體" pitchFamily="34" charset="-120"/>
+                <a:ea typeface="微軟正黑體" pitchFamily="34" charset="-120"/>
+              </a:rPr>
+              <a:t>主</a:t>
+            </a:r>
+            <a:r>
+              <a:rPr lang="en-US" altLang="zh-TW" sz="4800" b="1" dirty="0" smtClean="0">
+                <a:solidFill>
+                  <a:srgbClr val="000066"/>
+                </a:solidFill>
+                <a:latin typeface="微軟正黑體" pitchFamily="34" charset="-120"/>
+                <a:ea typeface="微軟正黑體" pitchFamily="34" charset="-120"/>
+              </a:rPr>
+              <a:t>  </a:t>
+            </a:r>
+            <a:r>
+              <a:rPr lang="zh-TW" altLang="en-US" sz="4800" b="1" dirty="0" smtClean="0">
+                <a:solidFill>
+                  <a:srgbClr val="000066"/>
+                </a:solidFill>
+                <a:latin typeface="微軟正黑體" pitchFamily="34" charset="-120"/>
+                <a:ea typeface="微軟正黑體" pitchFamily="34" charset="-120"/>
+              </a:rPr>
+              <a:t>千</a:t>
+            </a:r>
+            <a:r>
+              <a:rPr lang="zh-TW" altLang="en-US" sz="4800" b="1" dirty="0">
+                <a:solidFill>
+                  <a:srgbClr val="000066"/>
+                </a:solidFill>
+                <a:latin typeface="微軟正黑體" pitchFamily="34" charset="-120"/>
+                <a:ea typeface="微軟正黑體" pitchFamily="34" charset="-120"/>
+              </a:rPr>
+              <a:t>秋萬歲無疆</a:t>
+            </a:r>
+          </a:p>
           <a:p>
             <a:pPr algn="ctr">
               <a:buNone/>
             </a:pPr>
-            <a:r>
-              <a:rPr lang="zh-TW" altLang="en-US" sz="5400" b="1" dirty="0">
-                <a:solidFill>
-                  <a:srgbClr val="000066"/>
-                </a:solidFill>
-                <a:latin typeface="微軟正黑體" pitchFamily="34" charset="-120"/>
-                <a:ea typeface="微軟正黑體" pitchFamily="34" charset="-120"/>
-              </a:rPr>
-              <a:t>世界萬國之</a:t>
-            </a:r>
-            <a:r>
-              <a:rPr lang="zh-TW" altLang="en-US" sz="5400" b="1" dirty="0" smtClean="0">
-                <a:solidFill>
-                  <a:srgbClr val="000066"/>
-                </a:solidFill>
-                <a:latin typeface="微軟正黑體" pitchFamily="34" charset="-120"/>
-                <a:ea typeface="微軟正黑體" pitchFamily="34" charset="-120"/>
-              </a:rPr>
-              <a:t>君</a:t>
-            </a:r>
-            <a:endParaRPr lang="en-US" altLang="zh-TW" sz="5400" b="1" dirty="0" smtClean="0">
+            <a:endParaRPr lang="zh-TW" altLang="en-US" sz="4800" b="1" dirty="0">
               <a:solidFill>
                 <a:srgbClr val="000066"/>
               </a:solidFill>
@@ -3341,114 +3392,47 @@
               <a:ea typeface="微軟正黑體" pitchFamily="34" charset="-120"/>
             </a:endParaRPr>
           </a:p>
-          <a:p>
-            <a:pPr algn="ctr">
-              <a:buNone/>
-            </a:pPr>
-            <a:r>
-              <a:rPr lang="zh-TW" altLang="en-US" sz="5400" b="1" dirty="0" smtClean="0">
-                <a:solidFill>
-                  <a:srgbClr val="000066"/>
-                </a:solidFill>
-                <a:latin typeface="微軟正黑體" pitchFamily="34" charset="-120"/>
-                <a:ea typeface="微軟正黑體" pitchFamily="34" charset="-120"/>
-              </a:rPr>
-              <a:t>卑</a:t>
-            </a:r>
-            <a:r>
-              <a:rPr lang="zh-TW" altLang="en-US" sz="5400" b="1" dirty="0">
-                <a:solidFill>
-                  <a:srgbClr val="000066"/>
-                </a:solidFill>
-                <a:latin typeface="微軟正黑體" pitchFamily="34" charset="-120"/>
-                <a:ea typeface="微軟正黑體" pitchFamily="34" charset="-120"/>
-              </a:rPr>
-              <a:t>伏覲見</a:t>
-            </a:r>
-            <a:r>
-              <a:rPr lang="zh-TW" altLang="en-US" sz="5400" b="1" dirty="0" smtClean="0">
-                <a:solidFill>
-                  <a:srgbClr val="000066"/>
-                </a:solidFill>
-                <a:latin typeface="微軟正黑體" pitchFamily="34" charset="-120"/>
-                <a:ea typeface="微軟正黑體" pitchFamily="34" charset="-120"/>
-              </a:rPr>
-              <a:t>至尊</a:t>
-            </a:r>
-            <a:endParaRPr lang="en-US" altLang="zh-TW" sz="5400" b="1" dirty="0">
+        </p:txBody>
+      </p:sp>
+      <p:sp>
+        <p:nvSpPr>
+          <p:cNvPr id="3" name="TextBox 2"/>
+          <p:cNvSpPr txBox="1"/>
+          <p:nvPr/>
+        </p:nvSpPr>
+        <p:spPr>
+          <a:xfrm>
+            <a:off x="109368" y="1244473"/>
+            <a:ext cx="690947" cy="707886"/>
+          </a:xfrm>
+          <a:prstGeom prst="rect">
+            <a:avLst/>
+          </a:prstGeom>
+          <a:noFill/>
+        </p:spPr>
+        <p:txBody>
+          <a:bodyPr wrap="square" rtlCol="0">
+            <a:spAutoFit/>
+          </a:bodyPr>
+          <a:lstStyle/>
+          <a:p>
+            <a:r>
+              <a:rPr lang="en-US" altLang="zh-CN" sz="4000" b="1" dirty="0" smtClean="0">
+                <a:solidFill>
+                  <a:srgbClr val="000066"/>
+                </a:solidFill>
+                <a:latin typeface="微軟正黑體" pitchFamily="34" charset="-120"/>
+                <a:ea typeface="微軟正黑體" pitchFamily="34" charset="-120"/>
+              </a:rPr>
+              <a:t>1.</a:t>
+            </a:r>
+            <a:endParaRPr lang="en-US" sz="4000" b="1" dirty="0">
               <a:solidFill>
                 <a:srgbClr val="000066"/>
               </a:solidFill>
               <a:latin typeface="微軟正黑體" pitchFamily="34" charset="-120"/>
               <a:ea typeface="微軟正黑體" pitchFamily="34" charset="-120"/>
             </a:endParaRPr>
-          </a:p>
-          <a:p>
-            <a:pPr algn="ctr">
-              <a:buNone/>
-            </a:pPr>
-            <a:r>
-              <a:rPr lang="zh-TW" altLang="en-US" sz="5400" b="1" dirty="0" smtClean="0">
-                <a:solidFill>
-                  <a:srgbClr val="000066"/>
-                </a:solidFill>
-                <a:latin typeface="微軟正黑體" pitchFamily="34" charset="-120"/>
-                <a:ea typeface="微軟正黑體" pitchFamily="34" charset="-120"/>
-              </a:rPr>
-              <a:t>齊</a:t>
-            </a:r>
-            <a:r>
-              <a:rPr lang="zh-TW" altLang="en-US" sz="5400" b="1" dirty="0">
-                <a:solidFill>
-                  <a:srgbClr val="000066"/>
-                </a:solidFill>
-                <a:latin typeface="微軟正黑體" pitchFamily="34" charset="-120"/>
-                <a:ea typeface="微軟正黑體" pitchFamily="34" charset="-120"/>
-              </a:rPr>
-              <a:t>摘華冠拋擲座</a:t>
-            </a:r>
-            <a:r>
-              <a:rPr lang="zh-TW" altLang="en-US" sz="5400" b="1" dirty="0" smtClean="0">
-                <a:solidFill>
-                  <a:srgbClr val="000066"/>
-                </a:solidFill>
-                <a:latin typeface="微軟正黑體" pitchFamily="34" charset="-120"/>
-                <a:ea typeface="微軟正黑體" pitchFamily="34" charset="-120"/>
-              </a:rPr>
-              <a:t>前</a:t>
-            </a:r>
-            <a:endParaRPr lang="en-US" altLang="zh-TW" sz="5400" b="1" dirty="0" smtClean="0">
-              <a:solidFill>
-                <a:srgbClr val="000066"/>
-              </a:solidFill>
-              <a:latin typeface="微軟正黑體" pitchFamily="34" charset="-120"/>
-              <a:ea typeface="微軟正黑體" pitchFamily="34" charset="-120"/>
-            </a:endParaRPr>
-          </a:p>
-          <a:p>
-            <a:pPr algn="ctr">
-              <a:buNone/>
-            </a:pPr>
-            <a:r>
-              <a:rPr lang="zh-TW" altLang="en-US" sz="5400" b="1" dirty="0" smtClean="0">
-                <a:solidFill>
-                  <a:srgbClr val="000066"/>
-                </a:solidFill>
-                <a:latin typeface="微軟正黑體" pitchFamily="34" charset="-120"/>
-                <a:ea typeface="微軟正黑體" pitchFamily="34" charset="-120"/>
-              </a:rPr>
-              <a:t>隨</a:t>
-            </a:r>
-            <a:r>
-              <a:rPr lang="zh-TW" altLang="en-US" sz="5400" b="1" dirty="0">
-                <a:solidFill>
-                  <a:srgbClr val="000066"/>
-                </a:solidFill>
-                <a:latin typeface="微軟正黑體" pitchFamily="34" charset="-120"/>
-                <a:ea typeface="微軟正黑體" pitchFamily="34" charset="-120"/>
-              </a:rPr>
-              <a:t>眾昭事維寅</a:t>
-            </a:r>
           </a:p>
         </p:txBody>
       </p:sp>
@@ -3489,63 +3473,120 @@
         </p:nvSpPr>
         <p:spPr/>
         <p:txBody>
-          <a:bodyPr/>
-          <a:lstStyle/>
-          <a:p>
-            <a:r>
-              <a:rPr lang="zh-TW" altLang="en-US" b="1" dirty="0">
-                <a:solidFill>
-                  <a:srgbClr val="000066"/>
-                </a:solidFill>
-                <a:latin typeface="微軟正黑體" pitchFamily="34" charset="-120"/>
-                <a:ea typeface="微軟正黑體" pitchFamily="34" charset="-120"/>
-              </a:rPr>
-              <a:t>擁戴為王</a:t>
-            </a:r>
-          </a:p>
-        </p:txBody>
-      </p:sp>
-      <p:sp>
-        <p:nvSpPr>
-          <p:cNvPr id="4" name="內容版面配置區 3"/>
-          <p:cNvSpPr>
-            <a:spLocks noGrp="1"/>
-          </p:cNvSpPr>
-          <p:nvPr>
-            <p:ph idx="1"/>
-          </p:nvPr>
-        </p:nvSpPr>
-        <p:spPr/>
-        <p:txBody>
           <a:bodyPr>
             <a:normAutofit/>
           </a:bodyPr>
           <a:lstStyle/>
           <a:p>
+            <a:r>
+              <a:rPr lang="zh-TW" altLang="en-US" sz="4000" b="1" dirty="0">
+                <a:solidFill>
+                  <a:srgbClr val="000066"/>
+                </a:solidFill>
+                <a:latin typeface="微軟正黑體" pitchFamily="34" charset="-120"/>
+                <a:ea typeface="微軟正黑體" pitchFamily="34" charset="-120"/>
+              </a:rPr>
+              <a:t>擁戴為王</a:t>
+            </a:r>
+          </a:p>
+        </p:txBody>
+      </p:sp>
+      <p:sp>
+        <p:nvSpPr>
+          <p:cNvPr id="4" name="內容版面配置區 3"/>
+          <p:cNvSpPr>
+            <a:spLocks noGrp="1"/>
+          </p:cNvSpPr>
+          <p:nvPr>
+            <p:ph idx="1"/>
+          </p:nvPr>
+        </p:nvSpPr>
+        <p:spPr>
+          <a:xfrm>
+            <a:off x="0" y="1200151"/>
+            <a:ext cx="9144000" cy="3394472"/>
+          </a:xfrm>
+        </p:spPr>
+        <p:txBody>
+          <a:bodyPr>
+            <a:noAutofit/>
+          </a:bodyPr>
+          <a:lstStyle/>
+          <a:p>
             <a:pPr algn="ctr">
               <a:buNone/>
             </a:pPr>
             <a:r>
-              <a:rPr lang="zh-TW" altLang="en-US" sz="5400" b="1" dirty="0">
-                <a:solidFill>
-                  <a:srgbClr val="000066"/>
-                </a:solidFill>
-                <a:latin typeface="微軟正黑體" pitchFamily="34" charset="-120"/>
-                <a:ea typeface="微軟正黑體" pitchFamily="34" charset="-120"/>
-              </a:rPr>
-              <a:t>醒啊我心同</a:t>
-            </a:r>
-            <a:r>
-              <a:rPr lang="zh-TW" altLang="en-US" sz="5400" b="1" dirty="0" smtClean="0">
-                <a:solidFill>
-                  <a:srgbClr val="000066"/>
-                </a:solidFill>
-                <a:latin typeface="微軟正黑體" pitchFamily="34" charset="-120"/>
-                <a:ea typeface="微軟正黑體" pitchFamily="34" charset="-120"/>
-              </a:rPr>
-              <a:t>唱</a:t>
-            </a:r>
-            <a:endParaRPr lang="en-US" altLang="zh-TW" sz="5400" b="1" dirty="0" smtClean="0">
+              <a:rPr lang="zh-TW" altLang="en-US" sz="4800" b="1" dirty="0">
+                <a:solidFill>
+                  <a:srgbClr val="000066"/>
+                </a:solidFill>
+                <a:latin typeface="微軟正黑體" pitchFamily="34" charset="-120"/>
+                <a:ea typeface="微軟正黑體" pitchFamily="34" charset="-120"/>
+              </a:rPr>
+              <a:t>快來擁戴為</a:t>
+            </a:r>
+            <a:r>
+              <a:rPr lang="zh-TW" altLang="en-US" sz="4800" b="1" dirty="0" smtClean="0">
+                <a:solidFill>
+                  <a:srgbClr val="000066"/>
+                </a:solidFill>
+                <a:latin typeface="微軟正黑體" pitchFamily="34" charset="-120"/>
+                <a:ea typeface="微軟正黑體" pitchFamily="34" charset="-120"/>
+              </a:rPr>
+              <a:t>王</a:t>
+            </a:r>
+            <a:r>
+              <a:rPr lang="en-US" altLang="zh-TW" sz="4800" b="1" dirty="0" smtClean="0">
+                <a:solidFill>
+                  <a:srgbClr val="000066"/>
+                </a:solidFill>
+                <a:latin typeface="微軟正黑體" pitchFamily="34" charset="-120"/>
+                <a:ea typeface="微軟正黑體" pitchFamily="34" charset="-120"/>
+              </a:rPr>
+              <a:t>  </a:t>
+            </a:r>
+            <a:r>
+              <a:rPr lang="zh-TW" altLang="en-US" sz="4800" b="1" dirty="0" smtClean="0">
+                <a:solidFill>
+                  <a:srgbClr val="000066"/>
+                </a:solidFill>
+                <a:latin typeface="微軟正黑體" pitchFamily="34" charset="-120"/>
+                <a:ea typeface="微軟正黑體" pitchFamily="34" charset="-120"/>
+              </a:rPr>
+              <a:t>聖</a:t>
+            </a:r>
+            <a:r>
+              <a:rPr lang="zh-TW" altLang="en-US" sz="4800" b="1" dirty="0">
+                <a:solidFill>
+                  <a:srgbClr val="000066"/>
+                </a:solidFill>
+                <a:latin typeface="微軟正黑體" pitchFamily="34" charset="-120"/>
+                <a:ea typeface="微軟正黑體" pitchFamily="34" charset="-120"/>
+              </a:rPr>
+              <a:t>潔</a:t>
+            </a:r>
+            <a:r>
+              <a:rPr lang="zh-TW" altLang="en-US" sz="4800" b="1" dirty="0">
+                <a:solidFill>
+                  <a:srgbClr val="000066"/>
+                </a:solidFill>
+                <a:latin typeface="微軟正黑體" pitchFamily="34" charset="-120"/>
+                <a:ea typeface="微軟正黑體" pitchFamily="34" charset="-120"/>
+              </a:rPr>
+              <a:t>至尊神</a:t>
+            </a:r>
+            <a:r>
+              <a:rPr lang="zh-TW" altLang="en-US" sz="4800" b="1" dirty="0">
+                <a:solidFill>
+                  <a:srgbClr val="000066"/>
+                </a:solidFill>
+                <a:latin typeface="微軟正黑體" pitchFamily="34" charset="-120"/>
+                <a:ea typeface="微軟正黑體" pitchFamily="34" charset="-120"/>
+              </a:rPr>
+              <a:t>子</a:t>
+            </a:r>
+            <a:endParaRPr lang="en-US" altLang="zh-TW" sz="4800" b="1" dirty="0">
               <a:solidFill>
                 <a:srgbClr val="000066"/>
               </a:solidFill>
@@ -3558,36 +3599,86 @@
               <a:buNone/>
             </a:pPr>
             <a:r>
-              <a:rPr lang="zh-TW" altLang="en-US" sz="5400" b="1" dirty="0" smtClean="0">
-                <a:solidFill>
-                  <a:srgbClr val="000066"/>
-                </a:solidFill>
-                <a:latin typeface="微軟正黑體" pitchFamily="34" charset="-120"/>
-                <a:ea typeface="微軟正黑體" pitchFamily="34" charset="-120"/>
-              </a:rPr>
-              <a:t>頌</a:t>
-            </a:r>
-            <a:r>
-              <a:rPr lang="zh-TW" altLang="en-US" sz="5400" b="1" dirty="0">
-                <a:solidFill>
-                  <a:srgbClr val="000066"/>
-                </a:solidFill>
-                <a:latin typeface="微軟正黑體" pitchFamily="34" charset="-120"/>
-                <a:ea typeface="微軟正黑體" pitchFamily="34" charset="-120"/>
-              </a:rPr>
-              <a:t>祂救恩</a:t>
-            </a:r>
-            <a:r>
-              <a:rPr lang="zh-TW" altLang="en-US" sz="5400" b="1" dirty="0" smtClean="0">
-                <a:solidFill>
-                  <a:srgbClr val="000066"/>
-                </a:solidFill>
-                <a:latin typeface="微軟正黑體" pitchFamily="34" charset="-120"/>
-                <a:ea typeface="微軟正黑體" pitchFamily="34" charset="-120"/>
-              </a:rPr>
-              <a:t>浩蕩</a:t>
-            </a:r>
-            <a:endParaRPr lang="en-US" altLang="zh-TW" sz="5400" b="1" dirty="0">
+              <a:rPr lang="zh-TW" altLang="en-US" sz="4800" b="1" dirty="0">
+                <a:solidFill>
+                  <a:srgbClr val="000066"/>
+                </a:solidFill>
+                <a:latin typeface="微軟正黑體" pitchFamily="34" charset="-120"/>
+                <a:ea typeface="微軟正黑體" pitchFamily="34" charset="-120"/>
+              </a:rPr>
+              <a:t>跟</a:t>
+            </a:r>
+            <a:r>
+              <a:rPr lang="zh-TW" altLang="en-US" sz="4800" b="1" dirty="0">
+                <a:solidFill>
+                  <a:srgbClr val="000066"/>
+                </a:solidFill>
+                <a:latin typeface="微軟正黑體" pitchFamily="34" charset="-120"/>
+                <a:ea typeface="微軟正黑體" pitchFamily="34" charset="-120"/>
+              </a:rPr>
+              <a:t>祂的人快樂</a:t>
+            </a:r>
+            <a:r>
+              <a:rPr lang="zh-TW" altLang="en-US" sz="4800" b="1" dirty="0">
+                <a:solidFill>
+                  <a:srgbClr val="000066"/>
+                </a:solidFill>
+                <a:latin typeface="微軟正黑體" pitchFamily="34" charset="-120"/>
+                <a:ea typeface="微軟正黑體" pitchFamily="34" charset="-120"/>
+              </a:rPr>
+              <a:t>擁</a:t>
+            </a:r>
+            <a:r>
+              <a:rPr lang="zh-TW" altLang="en-US" sz="4800" b="1" dirty="0" smtClean="0">
+                <a:solidFill>
+                  <a:srgbClr val="000066"/>
+                </a:solidFill>
+                <a:latin typeface="微軟正黑體" pitchFamily="34" charset="-120"/>
+                <a:ea typeface="微軟正黑體" pitchFamily="34" charset="-120"/>
+              </a:rPr>
+              <a:t>戴</a:t>
+            </a:r>
+            <a:r>
+              <a:rPr lang="en-US" altLang="zh-TW" sz="4800" b="1" dirty="0" smtClean="0">
+                <a:solidFill>
+                  <a:srgbClr val="000066"/>
+                </a:solidFill>
+                <a:latin typeface="微軟正黑體" pitchFamily="34" charset="-120"/>
+                <a:ea typeface="微軟正黑體" pitchFamily="34" charset="-120"/>
+              </a:rPr>
+              <a:t>  </a:t>
+            </a:r>
+            <a:r>
+              <a:rPr lang="zh-TW" altLang="en-US" sz="4800" b="1" dirty="0" smtClean="0">
+                <a:solidFill>
+                  <a:srgbClr val="000066"/>
+                </a:solidFill>
+                <a:latin typeface="微軟正黑體" pitchFamily="34" charset="-120"/>
+                <a:ea typeface="微軟正黑體" pitchFamily="34" charset="-120"/>
+              </a:rPr>
+              <a:t>因</a:t>
+            </a:r>
+            <a:r>
+              <a:rPr lang="zh-TW" altLang="en-US" sz="4800" b="1" dirty="0">
+                <a:solidFill>
+                  <a:srgbClr val="000066"/>
+                </a:solidFill>
+                <a:latin typeface="微軟正黑體" pitchFamily="34" charset="-120"/>
+                <a:ea typeface="微軟正黑體" pitchFamily="34" charset="-120"/>
+              </a:rPr>
+              <a:t>祂亦是人</a:t>
+            </a:r>
+            <a:r>
+              <a:rPr lang="zh-TW" altLang="en-US" sz="4800" b="1" dirty="0" smtClean="0">
+                <a:solidFill>
+                  <a:srgbClr val="000066"/>
+                </a:solidFill>
+                <a:latin typeface="微軟正黑體" pitchFamily="34" charset="-120"/>
+                <a:ea typeface="微軟正黑體" pitchFamily="34" charset="-120"/>
+              </a:rPr>
+              <a:t>子</a:t>
+            </a:r>
+            <a:endParaRPr lang="en-US" altLang="zh-TW" sz="4800" b="1" dirty="0" smtClean="0">
               <a:solidFill>
                 <a:srgbClr val="000066"/>
               </a:solidFill>
@@ -3600,36 +3691,56 @@
               <a:buNone/>
             </a:pPr>
             <a:r>
-              <a:rPr lang="zh-TW" altLang="en-US" sz="5400" b="1" dirty="0" smtClean="0">
-                <a:solidFill>
-                  <a:srgbClr val="000066"/>
-                </a:solidFill>
-                <a:latin typeface="微軟正黑體" pitchFamily="34" charset="-120"/>
-                <a:ea typeface="微軟正黑體" pitchFamily="34" charset="-120"/>
-              </a:rPr>
-              <a:t>歡呼</a:t>
-            </a:r>
-            <a:r>
-              <a:rPr lang="zh-TW" altLang="en-US" sz="5400" b="1" dirty="0">
-                <a:solidFill>
-                  <a:srgbClr val="000066"/>
-                </a:solidFill>
-                <a:latin typeface="微軟正黑體" pitchFamily="34" charset="-120"/>
-                <a:ea typeface="微軟正黑體" pitchFamily="34" charset="-120"/>
-              </a:rPr>
-              <a:t>為你受死之</a:t>
-            </a:r>
-            <a:r>
-              <a:rPr lang="zh-TW" altLang="en-US" sz="5400" b="1" dirty="0" smtClean="0">
-                <a:solidFill>
-                  <a:srgbClr val="000066"/>
-                </a:solidFill>
-                <a:latin typeface="微軟正黑體" pitchFamily="34" charset="-120"/>
-                <a:ea typeface="微軟正黑體" pitchFamily="34" charset="-120"/>
-              </a:rPr>
-              <a:t>主</a:t>
-            </a:r>
-            <a:endParaRPr lang="en-US" altLang="zh-TW" sz="5400" b="1" dirty="0" smtClean="0">
+              <a:rPr lang="zh-TW" altLang="en-US" sz="4800" b="1" dirty="0">
+                <a:solidFill>
+                  <a:srgbClr val="000066"/>
+                </a:solidFill>
+                <a:latin typeface="微軟正黑體" pitchFamily="34" charset="-120"/>
+                <a:ea typeface="微軟正黑體" pitchFamily="34" charset="-120"/>
+              </a:rPr>
+              <a:t>塵世千萬憂</a:t>
+            </a:r>
+            <a:r>
+              <a:rPr lang="zh-TW" altLang="en-US" sz="4800" b="1" dirty="0" smtClean="0">
+                <a:solidFill>
+                  <a:srgbClr val="000066"/>
+                </a:solidFill>
+                <a:latin typeface="微軟正黑體" pitchFamily="34" charset="-120"/>
+                <a:ea typeface="微軟正黑體" pitchFamily="34" charset="-120"/>
+              </a:rPr>
+              <a:t>傷</a:t>
+            </a:r>
+            <a:r>
+              <a:rPr lang="en-US" altLang="zh-TW" sz="4800" b="1" dirty="0" smtClean="0">
+                <a:solidFill>
+                  <a:srgbClr val="000066"/>
+                </a:solidFill>
+                <a:latin typeface="微軟正黑體" pitchFamily="34" charset="-120"/>
+                <a:ea typeface="微軟正黑體" pitchFamily="34" charset="-120"/>
+              </a:rPr>
+              <a:t>  </a:t>
+            </a:r>
+            <a:r>
+              <a:rPr lang="zh-TW" altLang="en-US" sz="4800" b="1" dirty="0" smtClean="0">
+                <a:solidFill>
+                  <a:srgbClr val="000066"/>
+                </a:solidFill>
+                <a:latin typeface="微軟正黑體" pitchFamily="34" charset="-120"/>
+                <a:ea typeface="微軟正黑體" pitchFamily="34" charset="-120"/>
+              </a:rPr>
+              <a:t>一</a:t>
+            </a:r>
+            <a:r>
+              <a:rPr lang="zh-TW" altLang="en-US" sz="4800" b="1" dirty="0">
+                <a:solidFill>
+                  <a:srgbClr val="000066"/>
+                </a:solidFill>
+                <a:latin typeface="微軟正黑體" pitchFamily="34" charset="-120"/>
+                <a:ea typeface="微軟正黑體" pitchFamily="34" charset="-120"/>
+              </a:rPr>
+              <a:t>切經祂親嘗</a:t>
+            </a:r>
+            <a:endParaRPr lang="en-US" altLang="zh-TW" sz="4800" b="1" dirty="0">
               <a:solidFill>
                 <a:srgbClr val="000066"/>
               </a:solidFill>
@@ -3642,25 +3753,119 @@
               <a:buNone/>
             </a:pPr>
             <a:r>
-              <a:rPr lang="zh-TW" altLang="en-US" sz="5400" b="1" dirty="0" smtClean="0">
-                <a:solidFill>
-                  <a:srgbClr val="000066"/>
-                </a:solidFill>
-                <a:latin typeface="微軟正黑體" pitchFamily="34" charset="-120"/>
-                <a:ea typeface="微軟正黑體" pitchFamily="34" charset="-120"/>
-              </a:rPr>
-              <a:t>千秋</a:t>
-            </a:r>
-            <a:r>
-              <a:rPr lang="zh-TW" altLang="en-US" sz="5400" b="1" dirty="0">
-                <a:solidFill>
-                  <a:srgbClr val="000066"/>
-                </a:solidFill>
-                <a:latin typeface="微軟正黑體" pitchFamily="34" charset="-120"/>
-                <a:ea typeface="微軟正黑體" pitchFamily="34" charset="-120"/>
-              </a:rPr>
-              <a:t>萬歲無疆</a:t>
-            </a:r>
+              <a:rPr lang="zh-TW" altLang="en-US" sz="4800" b="1" dirty="0">
+                <a:solidFill>
+                  <a:srgbClr val="000066"/>
+                </a:solidFill>
+                <a:latin typeface="微軟正黑體" pitchFamily="34" charset="-120"/>
+                <a:ea typeface="微軟正黑體" pitchFamily="34" charset="-120"/>
+              </a:rPr>
+              <a:t>因祂決心擔負諸</a:t>
+            </a:r>
+            <a:r>
+              <a:rPr lang="zh-TW" altLang="en-US" sz="4800" b="1" dirty="0" smtClean="0">
+                <a:solidFill>
+                  <a:srgbClr val="000066"/>
+                </a:solidFill>
+                <a:latin typeface="微軟正黑體" pitchFamily="34" charset="-120"/>
+                <a:ea typeface="微軟正黑體" pitchFamily="34" charset="-120"/>
+              </a:rPr>
+              <a:t>累</a:t>
+            </a:r>
+            <a:r>
+              <a:rPr lang="en-US" altLang="zh-TW" sz="4800" b="1" dirty="0" smtClean="0">
+                <a:solidFill>
+                  <a:srgbClr val="000066"/>
+                </a:solidFill>
+                <a:latin typeface="微軟正黑體" pitchFamily="34" charset="-120"/>
+                <a:ea typeface="微軟正黑體" pitchFamily="34" charset="-120"/>
+              </a:rPr>
+              <a:t>  </a:t>
+            </a:r>
+            <a:r>
+              <a:rPr lang="zh-TW" altLang="en-US" sz="4800" b="1" dirty="0" smtClean="0">
+                <a:solidFill>
+                  <a:srgbClr val="000066"/>
+                </a:solidFill>
+                <a:latin typeface="微軟正黑體" pitchFamily="34" charset="-120"/>
+                <a:ea typeface="微軟正黑體" pitchFamily="34" charset="-120"/>
+              </a:rPr>
+              <a:t>群</a:t>
+            </a:r>
+            <a:r>
+              <a:rPr lang="zh-TW" altLang="en-US" sz="4800" b="1" dirty="0">
+                <a:solidFill>
+                  <a:srgbClr val="000066"/>
+                </a:solidFill>
+                <a:latin typeface="微軟正黑體" pitchFamily="34" charset="-120"/>
+                <a:ea typeface="微軟正黑體" pitchFamily="34" charset="-120"/>
+              </a:rPr>
+              <a:t>生得享安康</a:t>
+            </a:r>
+          </a:p>
+          <a:p>
+            <a:pPr algn="ctr">
+              <a:buNone/>
+            </a:pPr>
+            <a:endParaRPr lang="zh-TW" altLang="en-US" sz="4800" b="1" dirty="0">
+              <a:solidFill>
+                <a:srgbClr val="000066"/>
+              </a:solidFill>
+              <a:latin typeface="微軟正黑體" pitchFamily="34" charset="-120"/>
+              <a:ea typeface="微軟正黑體" pitchFamily="34" charset="-120"/>
+            </a:endParaRPr>
+          </a:p>
+        </p:txBody>
+      </p:sp>
+      <p:sp>
+        <p:nvSpPr>
+          <p:cNvPr id="5" name="TextBox 4"/>
+          <p:cNvSpPr txBox="1"/>
+          <p:nvPr/>
+        </p:nvSpPr>
+        <p:spPr>
+          <a:xfrm>
+            <a:off x="109368" y="1244473"/>
+            <a:ext cx="690947" cy="707886"/>
+          </a:xfrm>
+          <a:prstGeom prst="rect">
+            <a:avLst/>
+          </a:prstGeom>
+          <a:noFill/>
+        </p:spPr>
+        <p:txBody>
+          <a:bodyPr wrap="square" rtlCol="0">
+            <a:spAutoFit/>
+          </a:bodyPr>
+          <a:lstStyle/>
+          <a:p>
+            <a:r>
+              <a:rPr lang="en-US" altLang="zh-CN" sz="4000" b="1" dirty="0">
+                <a:solidFill>
+                  <a:srgbClr val="000066"/>
+                </a:solidFill>
+                <a:latin typeface="微軟正黑體" pitchFamily="34" charset="-120"/>
+                <a:ea typeface="微軟正黑體" pitchFamily="34" charset="-120"/>
+              </a:rPr>
+              <a:t>2</a:t>
+            </a:r>
+            <a:r>
+              <a:rPr lang="en-US" altLang="zh-CN" sz="4000" b="1" dirty="0" smtClean="0">
+                <a:solidFill>
+                  <a:srgbClr val="000066"/>
+                </a:solidFill>
+                <a:latin typeface="微軟正黑體" pitchFamily="34" charset="-120"/>
+                <a:ea typeface="微軟正黑體" pitchFamily="34" charset="-120"/>
+              </a:rPr>
+              <a:t>.</a:t>
+            </a:r>
+            <a:endParaRPr lang="en-US" sz="4000" b="1" dirty="0">
+              <a:solidFill>
+                <a:srgbClr val="000066"/>
+              </a:solidFill>
+              <a:latin typeface="微軟正黑體" pitchFamily="34" charset="-120"/>
+              <a:ea typeface="微軟正黑體" pitchFamily="34" charset="-120"/>
+            </a:endParaRPr>
           </a:p>
         </p:txBody>
       </p:sp>
@@ -3701,44 +3906,51 @@
         </p:nvSpPr>
         <p:spPr/>
         <p:txBody>
-          <a:bodyPr/>
-          <a:lstStyle/>
-          <a:p>
-            <a:r>
-              <a:rPr lang="zh-TW" altLang="en-US" b="1" dirty="0">
-                <a:solidFill>
-                  <a:srgbClr val="000066"/>
-                </a:solidFill>
-                <a:latin typeface="微軟正黑體" pitchFamily="34" charset="-120"/>
-                <a:ea typeface="微軟正黑體" pitchFamily="34" charset="-120"/>
-              </a:rPr>
-              <a:t>擁戴為王</a:t>
-            </a:r>
-          </a:p>
-        </p:txBody>
-      </p:sp>
-      <p:sp>
-        <p:nvSpPr>
-          <p:cNvPr id="4" name="內容版面配置區 3"/>
-          <p:cNvSpPr>
-            <a:spLocks noGrp="1"/>
-          </p:cNvSpPr>
-          <p:nvPr>
-            <p:ph idx="1"/>
-          </p:nvPr>
-        </p:nvSpPr>
-        <p:spPr/>
-        <p:txBody>
           <a:bodyPr>
             <a:normAutofit/>
           </a:bodyPr>
           <a:lstStyle/>
           <a:p>
+            <a:r>
+              <a:rPr lang="zh-TW" altLang="en-US" sz="4000" b="1" dirty="0">
+                <a:solidFill>
+                  <a:srgbClr val="000066"/>
+                </a:solidFill>
+                <a:latin typeface="微軟正黑體" pitchFamily="34" charset="-120"/>
+                <a:ea typeface="微軟正黑體" pitchFamily="34" charset="-120"/>
+              </a:rPr>
+              <a:t>擁戴為王</a:t>
+            </a:r>
+          </a:p>
+        </p:txBody>
+      </p:sp>
+      <p:sp>
+        <p:nvSpPr>
+          <p:cNvPr id="4" name="內容版面配置區 3"/>
+          <p:cNvSpPr>
+            <a:spLocks noGrp="1"/>
+          </p:cNvSpPr>
+          <p:nvPr>
+            <p:ph idx="1"/>
+          </p:nvPr>
+        </p:nvSpPr>
+        <p:spPr>
+          <a:xfrm>
+            <a:off x="0" y="1200151"/>
+            <a:ext cx="9144000" cy="3394472"/>
+          </a:xfrm>
+        </p:spPr>
+        <p:txBody>
+          <a:bodyPr>
+            <a:noAutofit/>
+          </a:bodyPr>
+          <a:lstStyle/>
+          <a:p>
             <a:pPr algn="ctr">
               <a:buNone/>
             </a:pPr>
             <a:r>
-              <a:rPr lang="zh-TW" altLang="en-US" sz="5400" b="1" dirty="0">
+              <a:rPr lang="zh-TW" altLang="en-US" sz="4800" b="1" dirty="0">
                 <a:solidFill>
                   <a:srgbClr val="000066"/>
                 </a:solidFill>
@@ -3748,7 +3960,7 @@
               <a:t>快來擁戴為</a:t>
             </a:r>
             <a:r>
-              <a:rPr lang="zh-TW" altLang="en-US" sz="5400" b="1" dirty="0" smtClean="0">
+              <a:rPr lang="zh-TW" altLang="en-US" sz="4800" b="1" dirty="0" smtClean="0">
                 <a:solidFill>
                   <a:srgbClr val="000066"/>
                 </a:solidFill>
@@ -3757,7 +3969,47 @@
               </a:rPr>
               <a:t>王</a:t>
             </a:r>
-            <a:endParaRPr lang="en-US" altLang="zh-TW" sz="5400" b="1" dirty="0" smtClean="0">
+            <a:r>
+              <a:rPr lang="en-US" altLang="zh-TW" sz="4800" b="1" dirty="0">
+                <a:solidFill>
+                  <a:srgbClr val="000066"/>
+                </a:solidFill>
+                <a:latin typeface="微軟正黑體" pitchFamily="34" charset="-120"/>
+                <a:ea typeface="微軟正黑體" pitchFamily="34" charset="-120"/>
+              </a:rPr>
+              <a:t> </a:t>
+            </a:r>
+            <a:r>
+              <a:rPr lang="en-US" altLang="zh-TW" sz="4800" b="1" dirty="0" smtClean="0">
+                <a:solidFill>
+                  <a:srgbClr val="000066"/>
+                </a:solidFill>
+                <a:latin typeface="微軟正黑體" pitchFamily="34" charset="-120"/>
+                <a:ea typeface="微軟正黑體" pitchFamily="34" charset="-120"/>
+              </a:rPr>
+              <a:t> </a:t>
+            </a:r>
+            <a:r>
+              <a:rPr lang="zh-TW" altLang="en-US" sz="4800" b="1" dirty="0" smtClean="0">
+                <a:solidFill>
+                  <a:srgbClr val="000066"/>
+                </a:solidFill>
+                <a:latin typeface="微軟正黑體" pitchFamily="34" charset="-120"/>
+                <a:ea typeface="微軟正黑體" pitchFamily="34" charset="-120"/>
+              </a:rPr>
+              <a:t>無</a:t>
+            </a:r>
+            <a:r>
+              <a:rPr lang="zh-TW" altLang="en-US" sz="4800" b="1" dirty="0">
+                <a:solidFill>
+                  <a:srgbClr val="000066"/>
+                </a:solidFill>
+                <a:latin typeface="微軟正黑體" pitchFamily="34" charset="-120"/>
+                <a:ea typeface="微軟正黑體" pitchFamily="34" charset="-120"/>
+              </a:rPr>
+              <a:t>對生命之王</a:t>
+            </a:r>
+            <a:endParaRPr lang="en-US" altLang="zh-TW" sz="4800" b="1" dirty="0">
               <a:solidFill>
                 <a:srgbClr val="000066"/>
               </a:solidFill>
@@ -3770,36 +4022,76 @@
               <a:buNone/>
             </a:pPr>
             <a:r>
-              <a:rPr lang="zh-TW" altLang="en-US" sz="5400" b="1" dirty="0" smtClean="0">
-                <a:solidFill>
-                  <a:srgbClr val="000066"/>
-                </a:solidFill>
-                <a:latin typeface="微軟正黑體" pitchFamily="34" charset="-120"/>
-                <a:ea typeface="微軟正黑體" pitchFamily="34" charset="-120"/>
-              </a:rPr>
-              <a:t>聖潔</a:t>
-            </a:r>
-            <a:r>
-              <a:rPr lang="zh-TW" altLang="en-US" sz="5400" b="1" dirty="0">
-                <a:solidFill>
-                  <a:srgbClr val="000066"/>
-                </a:solidFill>
-                <a:latin typeface="微軟正黑體" pitchFamily="34" charset="-120"/>
-                <a:ea typeface="微軟正黑體" pitchFamily="34" charset="-120"/>
-              </a:rPr>
-              <a:t>至尊神</a:t>
-            </a:r>
-            <a:r>
-              <a:rPr lang="zh-TW" altLang="en-US" sz="5400" b="1" dirty="0" smtClean="0">
-                <a:solidFill>
-                  <a:srgbClr val="000066"/>
-                </a:solidFill>
-                <a:latin typeface="微軟正黑體" pitchFamily="34" charset="-120"/>
-                <a:ea typeface="微軟正黑體" pitchFamily="34" charset="-120"/>
-              </a:rPr>
-              <a:t>子</a:t>
-            </a:r>
-            <a:endParaRPr lang="en-US" altLang="zh-TW" sz="5400" b="1" dirty="0">
+              <a:rPr lang="zh-TW" altLang="en-US" sz="4800" b="1" dirty="0">
+                <a:solidFill>
+                  <a:srgbClr val="000066"/>
+                </a:solidFill>
+                <a:latin typeface="微軟正黑體" pitchFamily="34" charset="-120"/>
+                <a:ea typeface="微軟正黑體" pitchFamily="34" charset="-120"/>
+              </a:rPr>
+              <a:t>萬邦民族都蒙救</a:t>
+            </a:r>
+            <a:r>
+              <a:rPr lang="zh-TW" altLang="en-US" sz="4800" b="1" dirty="0" smtClean="0">
+                <a:solidFill>
+                  <a:srgbClr val="000066"/>
+                </a:solidFill>
+                <a:latin typeface="微軟正黑體" pitchFamily="34" charset="-120"/>
+                <a:ea typeface="微軟正黑體" pitchFamily="34" charset="-120"/>
+              </a:rPr>
+              <a:t>渡</a:t>
+            </a:r>
+            <a:r>
+              <a:rPr lang="en-US" altLang="zh-TW" sz="4800" b="1" dirty="0">
+                <a:solidFill>
+                  <a:srgbClr val="000066"/>
+                </a:solidFill>
+                <a:latin typeface="微軟正黑體" pitchFamily="34" charset="-120"/>
+                <a:ea typeface="微軟正黑體" pitchFamily="34" charset="-120"/>
+              </a:rPr>
+              <a:t> </a:t>
+            </a:r>
+            <a:r>
+              <a:rPr lang="en-US" altLang="zh-TW" sz="4800" b="1" dirty="0" smtClean="0">
+                <a:solidFill>
+                  <a:srgbClr val="000066"/>
+                </a:solidFill>
+                <a:latin typeface="微軟正黑體" pitchFamily="34" charset="-120"/>
+                <a:ea typeface="微軟正黑體" pitchFamily="34" charset="-120"/>
+              </a:rPr>
+              <a:t> </a:t>
+            </a:r>
+            <a:r>
+              <a:rPr lang="zh-TW" altLang="en-US" sz="4800" b="1" dirty="0" smtClean="0">
+                <a:solidFill>
+                  <a:srgbClr val="000066"/>
+                </a:solidFill>
+                <a:latin typeface="微軟正黑體" pitchFamily="34" charset="-120"/>
+                <a:ea typeface="微軟正黑體" pitchFamily="34" charset="-120"/>
+              </a:rPr>
+              <a:t>因</a:t>
+            </a:r>
+            <a:r>
+              <a:rPr lang="zh-TW" altLang="en-US" sz="4800" b="1" dirty="0">
+                <a:solidFill>
+                  <a:srgbClr val="000066"/>
+                </a:solidFill>
+                <a:latin typeface="微軟正黑體" pitchFamily="34" charset="-120"/>
+                <a:ea typeface="微軟正黑體" pitchFamily="34" charset="-120"/>
+              </a:rPr>
+              <a:t>祂消滅死</a:t>
+            </a:r>
+            <a:r>
+              <a:rPr lang="zh-TW" altLang="en-US" sz="4800" b="1" dirty="0" smtClean="0">
+                <a:solidFill>
+                  <a:srgbClr val="000066"/>
+                </a:solidFill>
+                <a:latin typeface="微軟正黑體" pitchFamily="34" charset="-120"/>
+                <a:ea typeface="微軟正黑體" pitchFamily="34" charset="-120"/>
+              </a:rPr>
+              <a:t>亡</a:t>
+            </a:r>
+            <a:endParaRPr lang="en-US" altLang="zh-TW" sz="4800" b="1" dirty="0" smtClean="0">
               <a:solidFill>
                 <a:srgbClr val="000066"/>
               </a:solidFill>
@@ -3812,36 +4104,56 @@
               <a:buNone/>
             </a:pPr>
             <a:r>
-              <a:rPr lang="zh-TW" altLang="en-US" sz="5400" b="1" dirty="0" smtClean="0">
-                <a:solidFill>
-                  <a:srgbClr val="000066"/>
-                </a:solidFill>
-                <a:latin typeface="微軟正黑體" pitchFamily="34" charset="-120"/>
-                <a:ea typeface="微軟正黑體" pitchFamily="34" charset="-120"/>
-              </a:rPr>
-              <a:t>跟</a:t>
-            </a:r>
-            <a:r>
-              <a:rPr lang="zh-TW" altLang="en-US" sz="5400" b="1" dirty="0">
-                <a:solidFill>
-                  <a:srgbClr val="000066"/>
-                </a:solidFill>
-                <a:latin typeface="微軟正黑體" pitchFamily="34" charset="-120"/>
-                <a:ea typeface="微軟正黑體" pitchFamily="34" charset="-120"/>
-              </a:rPr>
-              <a:t>祂的人快樂</a:t>
-            </a:r>
-            <a:r>
-              <a:rPr lang="zh-TW" altLang="en-US" sz="5400" b="1" dirty="0" smtClean="0">
-                <a:solidFill>
-                  <a:srgbClr val="000066"/>
-                </a:solidFill>
-                <a:latin typeface="微軟正黑體" pitchFamily="34" charset="-120"/>
-                <a:ea typeface="微軟正黑體" pitchFamily="34" charset="-120"/>
-              </a:rPr>
-              <a:t>擁戴</a:t>
-            </a:r>
-            <a:endParaRPr lang="en-US" altLang="zh-TW" sz="5400" b="1" dirty="0" smtClean="0">
+              <a:rPr lang="zh-TW" altLang="en-US" sz="4800" b="1" dirty="0">
+                <a:solidFill>
+                  <a:srgbClr val="000066"/>
+                </a:solidFill>
+                <a:latin typeface="微軟正黑體" pitchFamily="34" charset="-120"/>
+                <a:ea typeface="微軟正黑體" pitchFamily="34" charset="-120"/>
+              </a:rPr>
+              <a:t>快來歌頌歡</a:t>
+            </a:r>
+            <a:r>
+              <a:rPr lang="zh-TW" altLang="en-US" sz="4800" b="1" dirty="0" smtClean="0">
+                <a:solidFill>
+                  <a:srgbClr val="000066"/>
+                </a:solidFill>
+                <a:latin typeface="微軟正黑體" pitchFamily="34" charset="-120"/>
+                <a:ea typeface="微軟正黑體" pitchFamily="34" charset="-120"/>
+              </a:rPr>
+              <a:t>欣</a:t>
+            </a:r>
+            <a:r>
+              <a:rPr lang="en-US" altLang="zh-TW" sz="4800" b="1" dirty="0" smtClean="0">
+                <a:solidFill>
+                  <a:srgbClr val="000066"/>
+                </a:solidFill>
+                <a:latin typeface="微軟正黑體" pitchFamily="34" charset="-120"/>
+                <a:ea typeface="微軟正黑體" pitchFamily="34" charset="-120"/>
+              </a:rPr>
+              <a:t>  </a:t>
+            </a:r>
+            <a:r>
+              <a:rPr lang="zh-TW" altLang="en-US" sz="4800" b="1" dirty="0" smtClean="0">
+                <a:solidFill>
+                  <a:srgbClr val="000066"/>
+                </a:solidFill>
+                <a:latin typeface="微軟正黑體" pitchFamily="34" charset="-120"/>
+                <a:ea typeface="微軟正黑體" pitchFamily="34" charset="-120"/>
+              </a:rPr>
+              <a:t>謝</a:t>
+            </a:r>
+            <a:r>
+              <a:rPr lang="zh-TW" altLang="en-US" sz="4800" b="1" dirty="0">
+                <a:solidFill>
+                  <a:srgbClr val="000066"/>
+                </a:solidFill>
+                <a:latin typeface="微軟正黑體" pitchFamily="34" charset="-120"/>
+                <a:ea typeface="微軟正黑體" pitchFamily="34" charset="-120"/>
+              </a:rPr>
+              <a:t>祂特殊宏恩</a:t>
+            </a:r>
+            <a:endParaRPr lang="en-US" altLang="zh-TW" sz="4800" b="1" dirty="0">
               <a:solidFill>
                 <a:srgbClr val="000066"/>
               </a:solidFill>
@@ -3854,25 +4166,109 @@
               <a:buNone/>
             </a:pPr>
             <a:r>
-              <a:rPr lang="zh-TW" altLang="en-US" sz="5400" b="1" dirty="0" smtClean="0">
-                <a:solidFill>
-                  <a:srgbClr val="000066"/>
-                </a:solidFill>
-                <a:latin typeface="微軟正黑體" pitchFamily="34" charset="-120"/>
-                <a:ea typeface="微軟正黑體" pitchFamily="34" charset="-120"/>
-              </a:rPr>
-              <a:t>因</a:t>
-            </a:r>
-            <a:r>
-              <a:rPr lang="zh-TW" altLang="en-US" sz="5400" b="1" dirty="0">
-                <a:solidFill>
-                  <a:srgbClr val="000066"/>
-                </a:solidFill>
-                <a:latin typeface="微軟正黑體" pitchFamily="34" charset="-120"/>
-                <a:ea typeface="微軟正黑體" pitchFamily="34" charset="-120"/>
-              </a:rPr>
-              <a:t>祂亦是人子</a:t>
-            </a:r>
+              <a:rPr lang="zh-TW" altLang="en-US" sz="4800" b="1" dirty="0">
+                <a:solidFill>
+                  <a:srgbClr val="000066"/>
+                </a:solidFill>
+                <a:latin typeface="微軟正黑體" pitchFamily="34" charset="-120"/>
+                <a:ea typeface="微軟正黑體" pitchFamily="34" charset="-120"/>
+              </a:rPr>
+              <a:t>因祂一死戰勝萬</a:t>
+            </a:r>
+            <a:r>
+              <a:rPr lang="zh-TW" altLang="en-US" sz="4800" b="1" dirty="0" smtClean="0">
+                <a:solidFill>
+                  <a:srgbClr val="000066"/>
+                </a:solidFill>
+                <a:latin typeface="微軟正黑體" pitchFamily="34" charset="-120"/>
+                <a:ea typeface="微軟正黑體" pitchFamily="34" charset="-120"/>
+              </a:rPr>
+              <a:t>死</a:t>
+            </a:r>
+            <a:r>
+              <a:rPr lang="en-US" altLang="zh-TW" sz="4800" b="1" dirty="0" smtClean="0">
+                <a:solidFill>
+                  <a:srgbClr val="000066"/>
+                </a:solidFill>
+                <a:latin typeface="微軟正黑體" pitchFamily="34" charset="-120"/>
+                <a:ea typeface="微軟正黑體" pitchFamily="34" charset="-120"/>
+              </a:rPr>
+              <a:t>  </a:t>
+            </a:r>
+            <a:r>
+              <a:rPr lang="zh-TW" altLang="en-US" sz="4800" b="1" dirty="0" smtClean="0">
+                <a:solidFill>
+                  <a:srgbClr val="000066"/>
+                </a:solidFill>
+                <a:latin typeface="微軟正黑體" pitchFamily="34" charset="-120"/>
+                <a:ea typeface="微軟正黑體" pitchFamily="34" charset="-120"/>
+              </a:rPr>
+              <a:t>永</a:t>
+            </a:r>
+            <a:r>
+              <a:rPr lang="zh-TW" altLang="en-US" sz="4800" b="1" dirty="0">
+                <a:solidFill>
+                  <a:srgbClr val="000066"/>
+                </a:solidFill>
+                <a:latin typeface="微軟正黑體" pitchFamily="34" charset="-120"/>
+                <a:ea typeface="微軟正黑體" pitchFamily="34" charset="-120"/>
+              </a:rPr>
+              <a:t>生普及群生</a:t>
+            </a:r>
+          </a:p>
+          <a:p>
+            <a:pPr algn="ctr">
+              <a:buNone/>
+            </a:pPr>
+            <a:endParaRPr lang="zh-TW" altLang="en-US" sz="4800" b="1" dirty="0">
+              <a:solidFill>
+                <a:srgbClr val="000066"/>
+              </a:solidFill>
+              <a:latin typeface="微軟正黑體" pitchFamily="34" charset="-120"/>
+              <a:ea typeface="微軟正黑體" pitchFamily="34" charset="-120"/>
+            </a:endParaRPr>
+          </a:p>
+        </p:txBody>
+      </p:sp>
+      <p:sp>
+        <p:nvSpPr>
+          <p:cNvPr id="5" name="TextBox 4"/>
+          <p:cNvSpPr txBox="1"/>
+          <p:nvPr/>
+        </p:nvSpPr>
+        <p:spPr>
+          <a:xfrm>
+            <a:off x="109368" y="1244473"/>
+            <a:ext cx="690947" cy="707886"/>
+          </a:xfrm>
+          <a:prstGeom prst="rect">
+            <a:avLst/>
+          </a:prstGeom>
+          <a:noFill/>
+        </p:spPr>
+        <p:txBody>
+          <a:bodyPr wrap="square" rtlCol="0">
+            <a:spAutoFit/>
+          </a:bodyPr>
+          <a:lstStyle/>
+          <a:p>
+            <a:r>
+              <a:rPr lang="en-US" altLang="zh-CN" sz="4000" b="1" dirty="0" smtClean="0">
+                <a:solidFill>
+                  <a:srgbClr val="000066"/>
+                </a:solidFill>
+                <a:latin typeface="微軟正黑體" pitchFamily="34" charset="-120"/>
+                <a:ea typeface="微軟正黑體" pitchFamily="34" charset="-120"/>
+              </a:rPr>
+              <a:t>3.</a:t>
+            </a:r>
+            <a:endParaRPr lang="en-US" sz="4000" b="1" dirty="0">
+              <a:solidFill>
+                <a:srgbClr val="000066"/>
+              </a:solidFill>
+              <a:latin typeface="微軟正黑體" pitchFamily="34" charset="-120"/>
+              <a:ea typeface="微軟正黑體" pitchFamily="34" charset="-120"/>
+            </a:endParaRPr>
           </a:p>
         </p:txBody>
       </p:sp>
@@ -3913,63 +4309,120 @@
         </p:nvSpPr>
         <p:spPr/>
         <p:txBody>
-          <a:bodyPr/>
-          <a:lstStyle/>
-          <a:p>
-            <a:r>
-              <a:rPr lang="zh-TW" altLang="en-US" b="1" dirty="0">
-                <a:solidFill>
-                  <a:srgbClr val="000066"/>
-                </a:solidFill>
-                <a:latin typeface="微軟正黑體" pitchFamily="34" charset="-120"/>
-                <a:ea typeface="微軟正黑體" pitchFamily="34" charset="-120"/>
-              </a:rPr>
-              <a:t>擁戴為王</a:t>
-            </a:r>
-          </a:p>
-        </p:txBody>
-      </p:sp>
-      <p:sp>
-        <p:nvSpPr>
-          <p:cNvPr id="4" name="內容版面配置區 3"/>
-          <p:cNvSpPr>
-            <a:spLocks noGrp="1"/>
-          </p:cNvSpPr>
-          <p:nvPr>
-            <p:ph idx="1"/>
-          </p:nvPr>
-        </p:nvSpPr>
-        <p:spPr/>
-        <p:txBody>
           <a:bodyPr>
             <a:normAutofit/>
           </a:bodyPr>
           <a:lstStyle/>
           <a:p>
+            <a:r>
+              <a:rPr lang="zh-TW" altLang="en-US" sz="4000" b="1" dirty="0">
+                <a:solidFill>
+                  <a:srgbClr val="000066"/>
+                </a:solidFill>
+                <a:latin typeface="微軟正黑體" pitchFamily="34" charset="-120"/>
+                <a:ea typeface="微軟正黑體" pitchFamily="34" charset="-120"/>
+              </a:rPr>
+              <a:t>擁戴為王</a:t>
+            </a:r>
+          </a:p>
+        </p:txBody>
+      </p:sp>
+      <p:sp>
+        <p:nvSpPr>
+          <p:cNvPr id="4" name="內容版面配置區 3"/>
+          <p:cNvSpPr>
+            <a:spLocks noGrp="1"/>
+          </p:cNvSpPr>
+          <p:nvPr>
+            <p:ph idx="1"/>
+          </p:nvPr>
+        </p:nvSpPr>
+        <p:spPr>
+          <a:xfrm>
+            <a:off x="0" y="1200151"/>
+            <a:ext cx="9144000" cy="3394472"/>
+          </a:xfrm>
+        </p:spPr>
+        <p:txBody>
+          <a:bodyPr>
+            <a:noAutofit/>
+          </a:bodyPr>
+          <a:lstStyle/>
+          <a:p>
             <a:pPr algn="ctr">
               <a:buNone/>
             </a:pPr>
             <a:r>
-              <a:rPr lang="zh-TW" altLang="en-US" sz="5400" b="1" dirty="0">
-                <a:solidFill>
-                  <a:srgbClr val="000066"/>
-                </a:solidFill>
-                <a:latin typeface="微軟正黑體" pitchFamily="34" charset="-120"/>
-                <a:ea typeface="微軟正黑體" pitchFamily="34" charset="-120"/>
-              </a:rPr>
-              <a:t>塵世千萬</a:t>
-            </a:r>
-            <a:r>
-              <a:rPr lang="zh-TW" altLang="en-US" sz="5400" b="1" dirty="0" smtClean="0">
-                <a:solidFill>
-                  <a:srgbClr val="000066"/>
-                </a:solidFill>
-                <a:latin typeface="微軟正黑體" pitchFamily="34" charset="-120"/>
-                <a:ea typeface="微軟正黑體" pitchFamily="34" charset="-120"/>
-              </a:rPr>
-              <a:t>憂傷</a:t>
-            </a:r>
-            <a:endParaRPr lang="en-US" altLang="zh-TW" sz="5400" b="1" dirty="0" smtClean="0">
+              <a:rPr lang="zh-TW" altLang="en-US" sz="4800" b="1" dirty="0">
+                <a:solidFill>
+                  <a:srgbClr val="000066"/>
+                </a:solidFill>
+                <a:latin typeface="微軟正黑體" pitchFamily="34" charset="-120"/>
+                <a:ea typeface="微軟正黑體" pitchFamily="34" charset="-120"/>
+              </a:rPr>
+              <a:t>快來擁戴為</a:t>
+            </a:r>
+            <a:r>
+              <a:rPr lang="zh-TW" altLang="en-US" sz="4800" b="1" dirty="0" smtClean="0">
+                <a:solidFill>
+                  <a:srgbClr val="000066"/>
+                </a:solidFill>
+                <a:latin typeface="微軟正黑體" pitchFamily="34" charset="-120"/>
+                <a:ea typeface="微軟正黑體" pitchFamily="34" charset="-120"/>
+              </a:rPr>
+              <a:t>王</a:t>
+            </a:r>
+            <a:r>
+              <a:rPr lang="en-US" altLang="zh-TW" sz="4800" b="1" dirty="0" smtClean="0">
+                <a:solidFill>
+                  <a:srgbClr val="000066"/>
+                </a:solidFill>
+                <a:latin typeface="微軟正黑體" pitchFamily="34" charset="-120"/>
+                <a:ea typeface="微軟正黑體" pitchFamily="34" charset="-120"/>
+              </a:rPr>
+              <a:t>  </a:t>
+            </a:r>
+            <a:r>
+              <a:rPr lang="zh-TW" altLang="en-US" sz="4800" b="1" dirty="0" smtClean="0">
+                <a:solidFill>
+                  <a:srgbClr val="000066"/>
+                </a:solidFill>
+                <a:latin typeface="微軟正黑體" pitchFamily="34" charset="-120"/>
+                <a:ea typeface="微軟正黑體" pitchFamily="34" charset="-120"/>
+              </a:rPr>
+              <a:t>永</a:t>
+            </a:r>
+            <a:r>
+              <a:rPr lang="zh-TW" altLang="en-US" sz="4800" b="1" dirty="0">
+                <a:solidFill>
+                  <a:srgbClr val="000066"/>
+                </a:solidFill>
+                <a:latin typeface="微軟正黑體" pitchFamily="34" charset="-120"/>
+                <a:ea typeface="微軟正黑體" pitchFamily="34" charset="-120"/>
+              </a:rPr>
+              <a:t>建</a:t>
+            </a:r>
+            <a:r>
+              <a:rPr lang="zh-TW" altLang="en-US" sz="4800" b="1" dirty="0">
+                <a:solidFill>
+                  <a:srgbClr val="000066"/>
+                </a:solidFill>
+                <a:latin typeface="微軟正黑體" pitchFamily="34" charset="-120"/>
+                <a:ea typeface="微軟正黑體" pitchFamily="34" charset="-120"/>
+              </a:rPr>
+              <a:t>和平之</a:t>
+            </a:r>
+            <a:r>
+              <a:rPr lang="zh-TW" altLang="en-US" sz="4800" b="1" dirty="0">
+                <a:solidFill>
+                  <a:srgbClr val="000066"/>
+                </a:solidFill>
+                <a:latin typeface="微軟正黑體" pitchFamily="34" charset="-120"/>
+                <a:ea typeface="微軟正黑體" pitchFamily="34" charset="-120"/>
+              </a:rPr>
+              <a:t>王</a:t>
+            </a:r>
+            <a:endParaRPr lang="en-US" altLang="zh-TW" sz="4800" b="1" dirty="0">
               <a:solidFill>
                 <a:srgbClr val="000066"/>
               </a:solidFill>
@@ -3982,36 +4435,96 @@
               <a:buNone/>
             </a:pPr>
             <a:r>
-              <a:rPr lang="zh-TW" altLang="en-US" sz="5400" b="1" dirty="0" smtClean="0">
-                <a:solidFill>
-                  <a:srgbClr val="000066"/>
-                </a:solidFill>
-                <a:latin typeface="微軟正黑體" pitchFamily="34" charset="-120"/>
-                <a:ea typeface="微軟正黑體" pitchFamily="34" charset="-120"/>
-              </a:rPr>
-              <a:t>一切</a:t>
-            </a:r>
-            <a:r>
-              <a:rPr lang="zh-TW" altLang="en-US" sz="5400" b="1" dirty="0">
-                <a:solidFill>
-                  <a:srgbClr val="000066"/>
-                </a:solidFill>
-                <a:latin typeface="微軟正黑體" pitchFamily="34" charset="-120"/>
-                <a:ea typeface="微軟正黑體" pitchFamily="34" charset="-120"/>
-              </a:rPr>
-              <a:t>經祂親</a:t>
-            </a:r>
-            <a:r>
-              <a:rPr lang="zh-TW" altLang="en-US" sz="5400" b="1" dirty="0" smtClean="0">
-                <a:solidFill>
-                  <a:srgbClr val="000066"/>
-                </a:solidFill>
-                <a:latin typeface="微軟正黑體" pitchFamily="34" charset="-120"/>
-                <a:ea typeface="微軟正黑體" pitchFamily="34" charset="-120"/>
-              </a:rPr>
-              <a:t>嘗</a:t>
-            </a:r>
-            <a:endParaRPr lang="en-US" altLang="zh-TW" sz="5400" b="1" dirty="0">
+              <a:rPr lang="zh-TW" altLang="en-US" sz="4800" b="1" dirty="0">
+                <a:solidFill>
+                  <a:srgbClr val="000066"/>
+                </a:solidFill>
+                <a:latin typeface="微軟正黑體" pitchFamily="34" charset="-120"/>
+                <a:ea typeface="微軟正黑體" pitchFamily="34" charset="-120"/>
+              </a:rPr>
+              <a:t>普天之下</a:t>
+            </a:r>
+            <a:r>
+              <a:rPr lang="zh-TW" altLang="en-US" sz="4800" b="1" dirty="0">
+                <a:solidFill>
+                  <a:srgbClr val="000066"/>
+                </a:solidFill>
+                <a:latin typeface="微軟正黑體" pitchFamily="34" charset="-120"/>
+                <a:ea typeface="微軟正黑體" pitchFamily="34" charset="-120"/>
+              </a:rPr>
+              <a:t>戰事</a:t>
+            </a:r>
+            <a:r>
+              <a:rPr lang="zh-TW" altLang="en-US" sz="4800" b="1" dirty="0">
+                <a:solidFill>
+                  <a:srgbClr val="000066"/>
+                </a:solidFill>
+                <a:latin typeface="微軟正黑體" pitchFamily="34" charset="-120"/>
+                <a:ea typeface="微軟正黑體" pitchFamily="34" charset="-120"/>
+              </a:rPr>
+              <a:t>止</a:t>
+            </a:r>
+            <a:r>
+              <a:rPr lang="zh-TW" altLang="en-US" sz="4800" b="1" dirty="0" smtClean="0">
+                <a:solidFill>
+                  <a:srgbClr val="000066"/>
+                </a:solidFill>
+                <a:latin typeface="微軟正黑體" pitchFamily="34" charset="-120"/>
+                <a:ea typeface="微軟正黑體" pitchFamily="34" charset="-120"/>
+              </a:rPr>
+              <a:t>息</a:t>
+            </a:r>
+            <a:r>
+              <a:rPr lang="en-US" altLang="zh-TW" sz="4800" b="1" dirty="0" smtClean="0">
+                <a:solidFill>
+                  <a:srgbClr val="000066"/>
+                </a:solidFill>
+                <a:latin typeface="微軟正黑體" pitchFamily="34" charset="-120"/>
+                <a:ea typeface="微軟正黑體" pitchFamily="34" charset="-120"/>
+              </a:rPr>
+              <a:t>  </a:t>
+            </a:r>
+            <a:r>
+              <a:rPr lang="zh-TW" altLang="en-US" sz="4800" b="1" dirty="0" smtClean="0">
+                <a:solidFill>
+                  <a:srgbClr val="000066"/>
+                </a:solidFill>
+                <a:latin typeface="微軟正黑體" pitchFamily="34" charset="-120"/>
+                <a:ea typeface="微軟正黑體" pitchFamily="34" charset="-120"/>
+              </a:rPr>
+              <a:t>干</a:t>
+            </a:r>
+            <a:r>
+              <a:rPr lang="zh-TW" altLang="en-US" sz="4800" b="1" dirty="0">
+                <a:solidFill>
+                  <a:srgbClr val="000066"/>
+                </a:solidFill>
+                <a:latin typeface="微軟正黑體" pitchFamily="34" charset="-120"/>
+                <a:ea typeface="微軟正黑體" pitchFamily="34" charset="-120"/>
+              </a:rPr>
+              <a:t>戈</a:t>
+            </a:r>
+            <a:r>
+              <a:rPr lang="zh-TW" altLang="en-US" sz="4800" b="1" dirty="0">
+                <a:solidFill>
+                  <a:srgbClr val="000066"/>
+                </a:solidFill>
+                <a:latin typeface="微軟正黑體" pitchFamily="34" charset="-120"/>
+                <a:ea typeface="微軟正黑體" pitchFamily="34" charset="-120"/>
+              </a:rPr>
+              <a:t>化為頌</a:t>
+            </a:r>
+            <a:r>
+              <a:rPr lang="zh-TW" altLang="en-US" sz="4800" b="1" dirty="0" smtClean="0">
+                <a:solidFill>
+                  <a:srgbClr val="000066"/>
+                </a:solidFill>
+                <a:latin typeface="微軟正黑體" pitchFamily="34" charset="-120"/>
+                <a:ea typeface="微軟正黑體" pitchFamily="34" charset="-120"/>
+              </a:rPr>
+              <a:t>揚</a:t>
+            </a:r>
+            <a:endParaRPr lang="en-US" altLang="zh-TW" sz="4800" b="1" dirty="0" smtClean="0">
               <a:solidFill>
                 <a:srgbClr val="000066"/>
               </a:solidFill>
@@ -4024,36 +4537,56 @@
               <a:buNone/>
             </a:pPr>
             <a:r>
-              <a:rPr lang="zh-TW" altLang="en-US" sz="5400" b="1" dirty="0" smtClean="0">
-                <a:solidFill>
-                  <a:srgbClr val="000066"/>
-                </a:solidFill>
-                <a:latin typeface="微軟正黑體" pitchFamily="34" charset="-120"/>
-                <a:ea typeface="微軟正黑體" pitchFamily="34" charset="-120"/>
-              </a:rPr>
-              <a:t>因</a:t>
-            </a:r>
-            <a:r>
-              <a:rPr lang="zh-TW" altLang="en-US" sz="5400" b="1" dirty="0">
-                <a:solidFill>
-                  <a:srgbClr val="000066"/>
-                </a:solidFill>
-                <a:latin typeface="微軟正黑體" pitchFamily="34" charset="-120"/>
-                <a:ea typeface="微軟正黑體" pitchFamily="34" charset="-120"/>
-              </a:rPr>
-              <a:t>祂決心擔負諸</a:t>
-            </a:r>
-            <a:r>
-              <a:rPr lang="zh-TW" altLang="en-US" sz="5400" b="1" dirty="0" smtClean="0">
-                <a:solidFill>
-                  <a:srgbClr val="000066"/>
-                </a:solidFill>
-                <a:latin typeface="微軟正黑體" pitchFamily="34" charset="-120"/>
-                <a:ea typeface="微軟正黑體" pitchFamily="34" charset="-120"/>
-              </a:rPr>
-              <a:t>累</a:t>
-            </a:r>
-            <a:endParaRPr lang="en-US" altLang="zh-TW" sz="5400" b="1" dirty="0" smtClean="0">
+              <a:rPr lang="zh-TW" altLang="en-US" sz="4800" b="1" dirty="0">
+                <a:solidFill>
+                  <a:srgbClr val="000066"/>
+                </a:solidFill>
+                <a:latin typeface="微軟正黑體" pitchFamily="34" charset="-120"/>
+                <a:ea typeface="微軟正黑體" pitchFamily="34" charset="-120"/>
+              </a:rPr>
+              <a:t>主治萬國萬</a:t>
+            </a:r>
+            <a:r>
+              <a:rPr lang="zh-TW" altLang="en-US" sz="4800" b="1" dirty="0" smtClean="0">
+                <a:solidFill>
+                  <a:srgbClr val="000066"/>
+                </a:solidFill>
+                <a:latin typeface="微軟正黑體" pitchFamily="34" charset="-120"/>
+                <a:ea typeface="微軟正黑體" pitchFamily="34" charset="-120"/>
+              </a:rPr>
+              <a:t>方</a:t>
+            </a:r>
+            <a:r>
+              <a:rPr lang="en-US" altLang="zh-TW" sz="4800" b="1" dirty="0" smtClean="0">
+                <a:solidFill>
+                  <a:srgbClr val="000066"/>
+                </a:solidFill>
+                <a:latin typeface="微軟正黑體" pitchFamily="34" charset="-120"/>
+                <a:ea typeface="微軟正黑體" pitchFamily="34" charset="-120"/>
+              </a:rPr>
+              <a:t>  </a:t>
+            </a:r>
+            <a:r>
+              <a:rPr lang="zh-TW" altLang="en-US" sz="4800" b="1" dirty="0" smtClean="0">
+                <a:solidFill>
+                  <a:srgbClr val="000066"/>
+                </a:solidFill>
+                <a:latin typeface="微軟正黑體" pitchFamily="34" charset="-120"/>
+                <a:ea typeface="微軟正黑體" pitchFamily="34" charset="-120"/>
+              </a:rPr>
+              <a:t>主</a:t>
+            </a:r>
+            <a:r>
+              <a:rPr lang="zh-TW" altLang="en-US" sz="4800" b="1" dirty="0">
+                <a:solidFill>
+                  <a:srgbClr val="000066"/>
+                </a:solidFill>
+                <a:latin typeface="微軟正黑體" pitchFamily="34" charset="-120"/>
+                <a:ea typeface="微軟正黑體" pitchFamily="34" charset="-120"/>
+              </a:rPr>
+              <a:t>權地久天長</a:t>
+            </a:r>
+            <a:endParaRPr lang="en-US" altLang="zh-TW" sz="4800" b="1" dirty="0">
               <a:solidFill>
                 <a:srgbClr val="000066"/>
               </a:solidFill>
@@ -4066,25 +4599,119 @@
               <a:buNone/>
             </a:pPr>
             <a:r>
-              <a:rPr lang="zh-TW" altLang="en-US" sz="5400" b="1" dirty="0" smtClean="0">
-                <a:solidFill>
-                  <a:srgbClr val="000066"/>
-                </a:solidFill>
-                <a:latin typeface="微軟正黑體" pitchFamily="34" charset="-120"/>
-                <a:ea typeface="微軟正黑體" pitchFamily="34" charset="-120"/>
-              </a:rPr>
-              <a:t>群</a:t>
-            </a:r>
-            <a:r>
-              <a:rPr lang="zh-TW" altLang="en-US" sz="5400" b="1" dirty="0">
-                <a:solidFill>
-                  <a:srgbClr val="000066"/>
-                </a:solidFill>
-                <a:latin typeface="微軟正黑體" pitchFamily="34" charset="-120"/>
-                <a:ea typeface="微軟正黑體" pitchFamily="34" charset="-120"/>
-              </a:rPr>
-              <a:t>生得享安康</a:t>
-            </a:r>
+              <a:rPr lang="zh-TW" altLang="en-US" sz="4800" b="1" dirty="0">
+                <a:solidFill>
+                  <a:srgbClr val="000066"/>
+                </a:solidFill>
+                <a:latin typeface="微軟正黑體" pitchFamily="34" charset="-120"/>
+                <a:ea typeface="微軟正黑體" pitchFamily="34" charset="-120"/>
+              </a:rPr>
+              <a:t>寶血所滋生命花</a:t>
+            </a:r>
+            <a:r>
+              <a:rPr lang="zh-TW" altLang="en-US" sz="4800" b="1" dirty="0" smtClean="0">
+                <a:solidFill>
+                  <a:srgbClr val="000066"/>
+                </a:solidFill>
+                <a:latin typeface="微軟正黑體" pitchFamily="34" charset="-120"/>
+                <a:ea typeface="微軟正黑體" pitchFamily="34" charset="-120"/>
+              </a:rPr>
+              <a:t>放</a:t>
+            </a:r>
+            <a:r>
+              <a:rPr lang="en-US" altLang="zh-TW" sz="4800" b="1" dirty="0" smtClean="0">
+                <a:solidFill>
+                  <a:srgbClr val="000066"/>
+                </a:solidFill>
+                <a:latin typeface="微軟正黑體" pitchFamily="34" charset="-120"/>
+                <a:ea typeface="微軟正黑體" pitchFamily="34" charset="-120"/>
+              </a:rPr>
+              <a:t>  </a:t>
+            </a:r>
+            <a:r>
+              <a:rPr lang="zh-TW" altLang="en-US" sz="4800" b="1" dirty="0" smtClean="0">
+                <a:solidFill>
+                  <a:srgbClr val="000066"/>
+                </a:solidFill>
+                <a:latin typeface="微軟正黑體" pitchFamily="34" charset="-120"/>
+                <a:ea typeface="微軟正黑體" pitchFamily="34" charset="-120"/>
+              </a:rPr>
+              <a:t>薈</a:t>
+            </a:r>
+            <a:r>
+              <a:rPr lang="zh-TW" altLang="en-US" sz="4800" b="1" dirty="0">
+                <a:solidFill>
+                  <a:srgbClr val="000066"/>
+                </a:solidFill>
+                <a:latin typeface="微軟正黑體" pitchFamily="34" charset="-120"/>
+                <a:ea typeface="微軟正黑體" pitchFamily="34" charset="-120"/>
+              </a:rPr>
+              <a:t>成異彩天香</a:t>
+            </a:r>
+          </a:p>
+          <a:p>
+            <a:pPr algn="ctr">
+              <a:buNone/>
+            </a:pPr>
+            <a:endParaRPr lang="zh-TW" altLang="en-US" sz="4800" b="1" dirty="0">
+              <a:solidFill>
+                <a:srgbClr val="000066"/>
+              </a:solidFill>
+              <a:latin typeface="微軟正黑體" pitchFamily="34" charset="-120"/>
+              <a:ea typeface="微軟正黑體" pitchFamily="34" charset="-120"/>
+            </a:endParaRPr>
+          </a:p>
+        </p:txBody>
+      </p:sp>
+      <p:sp>
+        <p:nvSpPr>
+          <p:cNvPr id="5" name="TextBox 4"/>
+          <p:cNvSpPr txBox="1"/>
+          <p:nvPr/>
+        </p:nvSpPr>
+        <p:spPr>
+          <a:xfrm>
+            <a:off x="109368" y="1244473"/>
+            <a:ext cx="690947" cy="707886"/>
+          </a:xfrm>
+          <a:prstGeom prst="rect">
+            <a:avLst/>
+          </a:prstGeom>
+          <a:noFill/>
+        </p:spPr>
+        <p:txBody>
+          <a:bodyPr wrap="square" rtlCol="0">
+            <a:spAutoFit/>
+          </a:bodyPr>
+          <a:lstStyle/>
+          <a:p>
+            <a:r>
+              <a:rPr lang="en-US" altLang="zh-CN" sz="4000" b="1" dirty="0">
+                <a:solidFill>
+                  <a:srgbClr val="000066"/>
+                </a:solidFill>
+                <a:latin typeface="微軟正黑體" pitchFamily="34" charset="-120"/>
+                <a:ea typeface="微軟正黑體" pitchFamily="34" charset="-120"/>
+              </a:rPr>
+              <a:t>4</a:t>
+            </a:r>
+            <a:r>
+              <a:rPr lang="en-US" altLang="zh-CN" sz="4000" b="1" dirty="0" smtClean="0">
+                <a:solidFill>
+                  <a:srgbClr val="000066"/>
+                </a:solidFill>
+                <a:latin typeface="微軟正黑體" pitchFamily="34" charset="-120"/>
+                <a:ea typeface="微軟正黑體" pitchFamily="34" charset="-120"/>
+              </a:rPr>
+              <a:t>.</a:t>
+            </a:r>
+            <a:endParaRPr lang="en-US" sz="4000" b="1" dirty="0">
+              <a:solidFill>
+                <a:srgbClr val="000066"/>
+              </a:solidFill>
+              <a:latin typeface="微軟正黑體" pitchFamily="34" charset="-120"/>
+              <a:ea typeface="微軟正黑體" pitchFamily="34" charset="-120"/>
+            </a:endParaRPr>
           </a:p>
         </p:txBody>
       </p:sp>
@@ -4125,44 +4752,51 @@
         </p:nvSpPr>
         <p:spPr/>
         <p:txBody>
-          <a:bodyPr/>
-          <a:lstStyle/>
-          <a:p>
-            <a:r>
-              <a:rPr lang="zh-TW" altLang="en-US" b="1" dirty="0">
-                <a:solidFill>
-                  <a:srgbClr val="000066"/>
-                </a:solidFill>
-                <a:latin typeface="微軟正黑體" pitchFamily="34" charset="-120"/>
-                <a:ea typeface="微軟正黑體" pitchFamily="34" charset="-120"/>
-              </a:rPr>
-              <a:t>擁戴為王</a:t>
-            </a:r>
-          </a:p>
-        </p:txBody>
-      </p:sp>
-      <p:sp>
-        <p:nvSpPr>
-          <p:cNvPr id="4" name="內容版面配置區 3"/>
-          <p:cNvSpPr>
-            <a:spLocks noGrp="1"/>
-          </p:cNvSpPr>
-          <p:nvPr>
-            <p:ph idx="1"/>
-          </p:nvPr>
-        </p:nvSpPr>
-        <p:spPr/>
-        <p:txBody>
           <a:bodyPr>
             <a:normAutofit/>
           </a:bodyPr>
           <a:lstStyle/>
           <a:p>
+            <a:r>
+              <a:rPr lang="zh-TW" altLang="en-US" sz="4000" b="1" dirty="0">
+                <a:solidFill>
+                  <a:srgbClr val="000066"/>
+                </a:solidFill>
+                <a:latin typeface="微軟正黑體" pitchFamily="34" charset="-120"/>
+                <a:ea typeface="微軟正黑體" pitchFamily="34" charset="-120"/>
+              </a:rPr>
+              <a:t>擁戴為王</a:t>
+            </a:r>
+          </a:p>
+        </p:txBody>
+      </p:sp>
+      <p:sp>
+        <p:nvSpPr>
+          <p:cNvPr id="4" name="內容版面配置區 3"/>
+          <p:cNvSpPr>
+            <a:spLocks noGrp="1"/>
+          </p:cNvSpPr>
+          <p:nvPr>
+            <p:ph idx="1"/>
+          </p:nvPr>
+        </p:nvSpPr>
+        <p:spPr>
+          <a:xfrm>
+            <a:off x="0" y="1200151"/>
+            <a:ext cx="9144000" cy="3394472"/>
+          </a:xfrm>
+        </p:spPr>
+        <p:txBody>
+          <a:bodyPr>
+            <a:noAutofit/>
+          </a:bodyPr>
+          <a:lstStyle/>
+          <a:p>
             <a:pPr algn="ctr">
               <a:buNone/>
             </a:pPr>
             <a:r>
-              <a:rPr lang="zh-TW" altLang="en-US" sz="5400" b="1" dirty="0">
+              <a:rPr lang="zh-TW" altLang="en-US" sz="4800" b="1" dirty="0">
                 <a:solidFill>
                   <a:srgbClr val="000066"/>
                 </a:solidFill>
@@ -4172,7 +4806,7 @@
               <a:t>快來擁戴為</a:t>
             </a:r>
             <a:r>
-              <a:rPr lang="zh-TW" altLang="en-US" sz="5400" b="1" dirty="0" smtClean="0">
+              <a:rPr lang="zh-TW" altLang="en-US" sz="4800" b="1" dirty="0" smtClean="0">
                 <a:solidFill>
                   <a:srgbClr val="000066"/>
                 </a:solidFill>
@@ -4181,7 +4815,47 @@
               </a:rPr>
               <a:t>王</a:t>
             </a:r>
-            <a:endParaRPr lang="en-US" altLang="zh-TW" sz="5400" b="1" dirty="0" smtClean="0">
+            <a:r>
+              <a:rPr lang="en-US" altLang="zh-TW" sz="4800" b="1" dirty="0" smtClean="0">
+                <a:solidFill>
+                  <a:srgbClr val="000066"/>
+                </a:solidFill>
+                <a:latin typeface="微軟正黑體" pitchFamily="34" charset="-120"/>
+                <a:ea typeface="微軟正黑體" pitchFamily="34" charset="-120"/>
+              </a:rPr>
+              <a:t>  </a:t>
+            </a:r>
+            <a:r>
+              <a:rPr lang="zh-TW" altLang="en-US" sz="4800" b="1" dirty="0" smtClean="0">
+                <a:solidFill>
+                  <a:srgbClr val="000066"/>
+                </a:solidFill>
+                <a:latin typeface="微軟正黑體" pitchFamily="34" charset="-120"/>
+                <a:ea typeface="微軟正黑體" pitchFamily="34" charset="-120"/>
+              </a:rPr>
+              <a:t>人</a:t>
+            </a:r>
+            <a:r>
+              <a:rPr lang="zh-TW" altLang="en-US" sz="4800" b="1" dirty="0">
+                <a:solidFill>
+                  <a:srgbClr val="000066"/>
+                </a:solidFill>
+                <a:latin typeface="微軟正黑體" pitchFamily="34" charset="-120"/>
+                <a:ea typeface="微軟正黑體" pitchFamily="34" charset="-120"/>
+              </a:rPr>
+              <a:t>天共戴之</a:t>
+            </a:r>
+            <a:r>
+              <a:rPr lang="zh-TW" altLang="en-US" sz="4800" b="1" dirty="0">
+                <a:solidFill>
+                  <a:srgbClr val="000066"/>
+                </a:solidFill>
+                <a:latin typeface="微軟正黑體" pitchFamily="34" charset="-120"/>
+                <a:ea typeface="微軟正黑體" pitchFamily="34" charset="-120"/>
+              </a:rPr>
+              <a:t>王</a:t>
+            </a:r>
+            <a:endParaRPr lang="en-US" altLang="zh-TW" sz="4800" b="1" dirty="0">
               <a:solidFill>
                 <a:srgbClr val="000066"/>
               </a:solidFill>
@@ -4194,36 +4868,86 @@
               <a:buNone/>
             </a:pPr>
             <a:r>
-              <a:rPr lang="zh-TW" altLang="en-US" sz="5400" b="1" dirty="0" smtClean="0">
-                <a:solidFill>
-                  <a:srgbClr val="000066"/>
-                </a:solidFill>
-                <a:latin typeface="微軟正黑體" pitchFamily="34" charset="-120"/>
-                <a:ea typeface="微軟正黑體" pitchFamily="34" charset="-120"/>
-              </a:rPr>
-              <a:t>無</a:t>
-            </a:r>
-            <a:r>
-              <a:rPr lang="zh-TW" altLang="en-US" sz="5400" b="1" dirty="0">
-                <a:solidFill>
-                  <a:srgbClr val="000066"/>
-                </a:solidFill>
-                <a:latin typeface="微軟正黑體" pitchFamily="34" charset="-120"/>
-                <a:ea typeface="微軟正黑體" pitchFamily="34" charset="-120"/>
-              </a:rPr>
-              <a:t>對生命之</a:t>
-            </a:r>
-            <a:r>
-              <a:rPr lang="zh-TW" altLang="en-US" sz="5400" b="1" dirty="0" smtClean="0">
-                <a:solidFill>
-                  <a:srgbClr val="000066"/>
-                </a:solidFill>
-                <a:latin typeface="微軟正黑體" pitchFamily="34" charset="-120"/>
-                <a:ea typeface="微軟正黑體" pitchFamily="34" charset="-120"/>
-              </a:rPr>
-              <a:t>王</a:t>
-            </a:r>
-            <a:endParaRPr lang="en-US" altLang="zh-TW" sz="5400" b="1" dirty="0">
+              <a:rPr lang="zh-TW" altLang="en-US" sz="4800" b="1" dirty="0">
+                <a:solidFill>
+                  <a:srgbClr val="000066"/>
+                </a:solidFill>
+                <a:latin typeface="微軟正黑體" pitchFamily="34" charset="-120"/>
+                <a:ea typeface="微軟正黑體" pitchFamily="34" charset="-120"/>
+              </a:rPr>
+              <a:t>萬</a:t>
+            </a:r>
+            <a:r>
+              <a:rPr lang="zh-TW" altLang="en-US" sz="4800" b="1" dirty="0">
+                <a:solidFill>
+                  <a:srgbClr val="000066"/>
+                </a:solidFill>
+                <a:latin typeface="微軟正黑體" pitchFamily="34" charset="-120"/>
+                <a:ea typeface="微軟正黑體" pitchFamily="34" charset="-120"/>
+              </a:rPr>
+              <a:t>靈稱祂奇妙愛</a:t>
+            </a:r>
+            <a:r>
+              <a:rPr lang="zh-TW" altLang="en-US" sz="4800" b="1" dirty="0" smtClean="0">
+                <a:solidFill>
+                  <a:srgbClr val="000066"/>
+                </a:solidFill>
+                <a:latin typeface="微軟正黑體" pitchFamily="34" charset="-120"/>
+                <a:ea typeface="微軟正黑體" pitchFamily="34" charset="-120"/>
+              </a:rPr>
+              <a:t>名</a:t>
+            </a:r>
+            <a:r>
+              <a:rPr lang="en-US" altLang="zh-TW" sz="4800" b="1" dirty="0" smtClean="0">
+                <a:solidFill>
+                  <a:srgbClr val="000066"/>
+                </a:solidFill>
+                <a:latin typeface="微軟正黑體" pitchFamily="34" charset="-120"/>
+                <a:ea typeface="微軟正黑體" pitchFamily="34" charset="-120"/>
+              </a:rPr>
+              <a:t>  </a:t>
+            </a:r>
+            <a:r>
+              <a:rPr lang="zh-TW" altLang="en-US" sz="4800" b="1" dirty="0" smtClean="0">
+                <a:solidFill>
+                  <a:srgbClr val="000066"/>
+                </a:solidFill>
+                <a:latin typeface="微軟正黑體" pitchFamily="34" charset="-120"/>
+                <a:ea typeface="微軟正黑體" pitchFamily="34" charset="-120"/>
+              </a:rPr>
+              <a:t>萬</a:t>
+            </a:r>
+            <a:r>
+              <a:rPr lang="zh-TW" altLang="en-US" sz="4800" b="1" dirty="0">
+                <a:solidFill>
+                  <a:srgbClr val="000066"/>
+                </a:solidFill>
+                <a:latin typeface="微軟正黑體" pitchFamily="34" charset="-120"/>
+                <a:ea typeface="微軟正黑體" pitchFamily="34" charset="-120"/>
+              </a:rPr>
+              <a:t>世</a:t>
+            </a:r>
+            <a:r>
+              <a:rPr lang="zh-TW" altLang="en-US" sz="4800" b="1" dirty="0">
+                <a:solidFill>
+                  <a:srgbClr val="000066"/>
+                </a:solidFill>
+                <a:latin typeface="微軟正黑體" pitchFamily="34" charset="-120"/>
+                <a:ea typeface="微軟正黑體" pitchFamily="34" charset="-120"/>
+              </a:rPr>
+              <a:t>尊祂至</a:t>
+            </a:r>
+            <a:r>
+              <a:rPr lang="zh-TW" altLang="en-US" sz="4800" b="1" dirty="0" smtClean="0">
+                <a:solidFill>
+                  <a:srgbClr val="000066"/>
+                </a:solidFill>
+                <a:latin typeface="微軟正黑體" pitchFamily="34" charset="-120"/>
+                <a:ea typeface="微軟正黑體" pitchFamily="34" charset="-120"/>
+              </a:rPr>
+              <a:t>上</a:t>
+            </a:r>
+            <a:endParaRPr lang="en-US" altLang="zh-TW" sz="4800" b="1" dirty="0" smtClean="0">
               <a:solidFill>
                 <a:srgbClr val="000066"/>
               </a:solidFill>
@@ -4236,36 +4960,56 @@
               <a:buNone/>
             </a:pPr>
             <a:r>
-              <a:rPr lang="zh-TW" altLang="en-US" sz="5400" b="1" dirty="0" smtClean="0">
-                <a:solidFill>
-                  <a:srgbClr val="000066"/>
-                </a:solidFill>
-                <a:latin typeface="微軟正黑體" pitchFamily="34" charset="-120"/>
-                <a:ea typeface="微軟正黑體" pitchFamily="34" charset="-120"/>
-              </a:rPr>
-              <a:t>萬邦民</a:t>
-            </a:r>
-            <a:r>
-              <a:rPr lang="zh-TW" altLang="en-US" sz="5400" b="1" dirty="0">
-                <a:solidFill>
-                  <a:srgbClr val="000066"/>
-                </a:solidFill>
-                <a:latin typeface="微軟正黑體" pitchFamily="34" charset="-120"/>
-                <a:ea typeface="微軟正黑體" pitchFamily="34" charset="-120"/>
-              </a:rPr>
-              <a:t>族都蒙救</a:t>
-            </a:r>
-            <a:r>
-              <a:rPr lang="zh-TW" altLang="en-US" sz="5400" b="1" dirty="0" smtClean="0">
-                <a:solidFill>
-                  <a:srgbClr val="000066"/>
-                </a:solidFill>
-                <a:latin typeface="微軟正黑體" pitchFamily="34" charset="-120"/>
-                <a:ea typeface="微軟正黑體" pitchFamily="34" charset="-120"/>
-              </a:rPr>
-              <a:t>渡</a:t>
-            </a:r>
-            <a:endParaRPr lang="en-US" altLang="zh-TW" sz="5400" b="1" dirty="0" smtClean="0">
+              <a:rPr lang="zh-TW" altLang="en-US" sz="4800" b="1" dirty="0">
+                <a:solidFill>
+                  <a:srgbClr val="000066"/>
+                </a:solidFill>
+                <a:latin typeface="微軟正黑體" pitchFamily="34" charset="-120"/>
+                <a:ea typeface="微軟正黑體" pitchFamily="34" charset="-120"/>
+              </a:rPr>
+              <a:t>世界萬國之</a:t>
+            </a:r>
+            <a:r>
+              <a:rPr lang="zh-TW" altLang="en-US" sz="4800" b="1" dirty="0" smtClean="0">
+                <a:solidFill>
+                  <a:srgbClr val="000066"/>
+                </a:solidFill>
+                <a:latin typeface="微軟正黑體" pitchFamily="34" charset="-120"/>
+                <a:ea typeface="微軟正黑體" pitchFamily="34" charset="-120"/>
+              </a:rPr>
+              <a:t>君</a:t>
+            </a:r>
+            <a:r>
+              <a:rPr lang="en-US" altLang="zh-TW" sz="4800" b="1" dirty="0" smtClean="0">
+                <a:solidFill>
+                  <a:srgbClr val="000066"/>
+                </a:solidFill>
+                <a:latin typeface="微軟正黑體" pitchFamily="34" charset="-120"/>
+                <a:ea typeface="微軟正黑體" pitchFamily="34" charset="-120"/>
+              </a:rPr>
+              <a:t>  </a:t>
+            </a:r>
+            <a:r>
+              <a:rPr lang="zh-TW" altLang="en-US" sz="4800" b="1" dirty="0" smtClean="0">
+                <a:solidFill>
+                  <a:srgbClr val="000066"/>
+                </a:solidFill>
+                <a:latin typeface="微軟正黑體" pitchFamily="34" charset="-120"/>
+                <a:ea typeface="微軟正黑體" pitchFamily="34" charset="-120"/>
+              </a:rPr>
+              <a:t>卑</a:t>
+            </a:r>
+            <a:r>
+              <a:rPr lang="zh-TW" altLang="en-US" sz="4800" b="1" dirty="0">
+                <a:solidFill>
+                  <a:srgbClr val="000066"/>
+                </a:solidFill>
+                <a:latin typeface="微軟正黑體" pitchFamily="34" charset="-120"/>
+                <a:ea typeface="微軟正黑體" pitchFamily="34" charset="-120"/>
+              </a:rPr>
+              <a:t>伏覲見至尊</a:t>
+            </a:r>
+            <a:endParaRPr lang="en-US" altLang="zh-TW" sz="4800" b="1" dirty="0">
               <a:solidFill>
                 <a:srgbClr val="000066"/>
               </a:solidFill>
@@ -4278,122 +5022,61 @@
               <a:buNone/>
             </a:pPr>
             <a:r>
-              <a:rPr lang="zh-TW" altLang="en-US" sz="5400" b="1" dirty="0" smtClean="0">
-                <a:solidFill>
-                  <a:srgbClr val="000066"/>
-                </a:solidFill>
-                <a:latin typeface="微軟正黑體" pitchFamily="34" charset="-120"/>
-                <a:ea typeface="微軟正黑體" pitchFamily="34" charset="-120"/>
-              </a:rPr>
-              <a:t>因</a:t>
-            </a:r>
-            <a:r>
-              <a:rPr lang="zh-TW" altLang="en-US" sz="5400" b="1" dirty="0">
-                <a:solidFill>
-                  <a:srgbClr val="000066"/>
-                </a:solidFill>
-                <a:latin typeface="微軟正黑體" pitchFamily="34" charset="-120"/>
-                <a:ea typeface="微軟正黑體" pitchFamily="34" charset="-120"/>
-              </a:rPr>
-              <a:t>祂消滅死亡</a:t>
-            </a:r>
-          </a:p>
-        </p:txBody>
-      </p:sp>
-    </p:spTree>
-  </p:cSld>
-  <p:clrMapOvr>
-    <a:masterClrMapping/>
-  </p:clrMapOvr>
-</p:sld>
-</file>
-
-<file path=ppt/slides/slide6.xml><?xml version="1.0" encoding="utf-8"?>
-<p:sld xmlns:a="http://schemas.openxmlformats.org/drawingml/2006/main" xmlns:r="http://schemas.openxmlformats.org/officeDocument/2006/relationships" xmlns:p="http://schemas.openxmlformats.org/presentationml/2006/main">
-  <p:cSld>
-    <p:spTree>
-      <p:nvGrpSpPr>
-        <p:cNvPr id="1" name=""/>
-        <p:cNvGrpSpPr/>
-        <p:nvPr/>
-      </p:nvGrpSpPr>
-      <p:grpSpPr>
-        <a:xfrm>
-          <a:off x="0" y="0"/>
-          <a:ext cx="0" cy="0"/>
-          <a:chOff x="0" y="0"/>
-          <a:chExt cx="0" cy="0"/>
-        </a:xfrm>
-      </p:grpSpPr>
-      <p:sp>
-        <p:nvSpPr>
-          <p:cNvPr id="2" name="標題 1"/>
-          <p:cNvSpPr>
-            <a:spLocks noGrp="1"/>
-          </p:cNvSpPr>
-          <p:nvPr>
-            <p:ph type="title"/>
-          </p:nvPr>
-        </p:nvSpPr>
-        <p:spPr/>
-        <p:txBody>
-          <a:bodyPr/>
-          <a:lstStyle/>
-          <a:p>
-            <a:r>
-              <a:rPr lang="zh-TW" altLang="en-US" b="1" dirty="0">
-                <a:solidFill>
-                  <a:srgbClr val="000066"/>
-                </a:solidFill>
-                <a:latin typeface="微軟正黑體" pitchFamily="34" charset="-120"/>
-                <a:ea typeface="微軟正黑體" pitchFamily="34" charset="-120"/>
-              </a:rPr>
-              <a:t>擁戴為王</a:t>
-            </a:r>
-          </a:p>
-        </p:txBody>
-      </p:sp>
-      <p:sp>
-        <p:nvSpPr>
-          <p:cNvPr id="4" name="內容版面配置區 3"/>
-          <p:cNvSpPr>
-            <a:spLocks noGrp="1"/>
-          </p:cNvSpPr>
-          <p:nvPr>
-            <p:ph idx="1"/>
-          </p:nvPr>
-        </p:nvSpPr>
-        <p:spPr/>
-        <p:txBody>
-          <a:bodyPr>
-            <a:normAutofit/>
-          </a:bodyPr>
-          <a:lstStyle/>
+              <a:rPr lang="zh-TW" altLang="en-US" sz="4800" b="1" dirty="0">
+                <a:solidFill>
+                  <a:srgbClr val="000066"/>
+                </a:solidFill>
+                <a:latin typeface="微軟正黑體" pitchFamily="34" charset="-120"/>
+                <a:ea typeface="微軟正黑體" pitchFamily="34" charset="-120"/>
+              </a:rPr>
+              <a:t>齊摘華冠拋擲座</a:t>
+            </a:r>
+            <a:r>
+              <a:rPr lang="zh-TW" altLang="en-US" sz="4800" b="1" dirty="0" smtClean="0">
+                <a:solidFill>
+                  <a:srgbClr val="000066"/>
+                </a:solidFill>
+                <a:latin typeface="微軟正黑體" pitchFamily="34" charset="-120"/>
+                <a:ea typeface="微軟正黑體" pitchFamily="34" charset="-120"/>
+              </a:rPr>
+              <a:t>前</a:t>
+            </a:r>
+            <a:r>
+              <a:rPr lang="en-US" altLang="zh-TW" sz="4800" b="1" dirty="0" smtClean="0">
+                <a:solidFill>
+                  <a:srgbClr val="000066"/>
+                </a:solidFill>
+                <a:latin typeface="微軟正黑體" pitchFamily="34" charset="-120"/>
+                <a:ea typeface="微軟正黑體" pitchFamily="34" charset="-120"/>
+              </a:rPr>
+              <a:t>  </a:t>
+            </a:r>
+            <a:r>
+              <a:rPr lang="zh-TW" altLang="en-US" sz="4800" b="1" dirty="0" smtClean="0">
+                <a:solidFill>
+                  <a:srgbClr val="000066"/>
+                </a:solidFill>
+                <a:latin typeface="微軟正黑體" pitchFamily="34" charset="-120"/>
+                <a:ea typeface="微軟正黑體" pitchFamily="34" charset="-120"/>
+              </a:rPr>
+              <a:t>隨</a:t>
+            </a:r>
+            <a:r>
+              <a:rPr lang="zh-TW" altLang="en-US" sz="4800" b="1" dirty="0">
+                <a:solidFill>
+                  <a:srgbClr val="000066"/>
+                </a:solidFill>
+                <a:latin typeface="微軟正黑體" pitchFamily="34" charset="-120"/>
+                <a:ea typeface="微軟正黑體" pitchFamily="34" charset="-120"/>
+              </a:rPr>
+              <a:t>眾昭事維寅</a:t>
+            </a:r>
+          </a:p>
           <a:p>
             <a:pPr algn="ctr">
               <a:buNone/>
             </a:pPr>
-            <a:r>
-              <a:rPr lang="zh-TW" altLang="en-US" sz="5400" b="1" dirty="0">
-                <a:solidFill>
-                  <a:srgbClr val="000066"/>
-                </a:solidFill>
-                <a:latin typeface="微軟正黑體" pitchFamily="34" charset="-120"/>
-                <a:ea typeface="微軟正黑體" pitchFamily="34" charset="-120"/>
-              </a:rPr>
-              <a:t>快來歌頌</a:t>
-            </a:r>
-            <a:r>
-              <a:rPr lang="zh-TW" altLang="en-US" sz="5400" b="1" dirty="0" smtClean="0">
-                <a:solidFill>
-                  <a:srgbClr val="000066"/>
-                </a:solidFill>
-                <a:latin typeface="微軟正黑體" pitchFamily="34" charset="-120"/>
-                <a:ea typeface="微軟正黑體" pitchFamily="34" charset="-120"/>
-              </a:rPr>
-              <a:t>歡欣</a:t>
-            </a:r>
-            <a:endParaRPr lang="en-US" altLang="zh-TW" sz="5400" b="1" dirty="0" smtClean="0">
+            <a:endParaRPr lang="zh-TW" altLang="en-US" sz="4800" b="1" dirty="0">
               <a:solidFill>
                 <a:srgbClr val="000066"/>
               </a:solidFill>
@@ -4401,730 +5084,47 @@
               <a:ea typeface="微軟正黑體" pitchFamily="34" charset="-120"/>
             </a:endParaRPr>
           </a:p>
-          <a:p>
-            <a:pPr algn="ctr">
-              <a:buNone/>
-            </a:pPr>
-            <a:r>
-              <a:rPr lang="zh-TW" altLang="en-US" sz="5400" b="1" dirty="0" smtClean="0">
-                <a:solidFill>
-                  <a:srgbClr val="000066"/>
-                </a:solidFill>
-                <a:latin typeface="微軟正黑體" pitchFamily="34" charset="-120"/>
-                <a:ea typeface="微軟正黑體" pitchFamily="34" charset="-120"/>
-              </a:rPr>
-              <a:t>謝</a:t>
-            </a:r>
-            <a:r>
-              <a:rPr lang="zh-TW" altLang="en-US" sz="5400" b="1" dirty="0">
-                <a:solidFill>
-                  <a:srgbClr val="000066"/>
-                </a:solidFill>
-                <a:latin typeface="微軟正黑體" pitchFamily="34" charset="-120"/>
-                <a:ea typeface="微軟正黑體" pitchFamily="34" charset="-120"/>
-              </a:rPr>
-              <a:t>祂特殊宏</a:t>
-            </a:r>
-            <a:r>
-              <a:rPr lang="zh-TW" altLang="en-US" sz="5400" b="1" dirty="0" smtClean="0">
-                <a:solidFill>
-                  <a:srgbClr val="000066"/>
-                </a:solidFill>
-                <a:latin typeface="微軟正黑體" pitchFamily="34" charset="-120"/>
-                <a:ea typeface="微軟正黑體" pitchFamily="34" charset="-120"/>
-              </a:rPr>
-              <a:t>恩</a:t>
-            </a:r>
-            <a:endParaRPr lang="en-US" altLang="zh-TW" sz="5400" b="1" dirty="0">
+        </p:txBody>
+      </p:sp>
+      <p:sp>
+        <p:nvSpPr>
+          <p:cNvPr id="5" name="TextBox 4"/>
+          <p:cNvSpPr txBox="1"/>
+          <p:nvPr/>
+        </p:nvSpPr>
+        <p:spPr>
+          <a:xfrm>
+            <a:off x="109368" y="1244473"/>
+            <a:ext cx="690947" cy="707886"/>
+          </a:xfrm>
+          <a:prstGeom prst="rect">
+            <a:avLst/>
+          </a:prstGeom>
+          <a:noFill/>
+        </p:spPr>
+        <p:txBody>
+          <a:bodyPr wrap="square" rtlCol="0">
+            <a:spAutoFit/>
+          </a:bodyPr>
+          <a:lstStyle/>
+          <a:p>
+            <a:r>
+              <a:rPr lang="en-US" altLang="zh-CN" sz="4000" b="1" dirty="0" smtClean="0">
+                <a:solidFill>
+                  <a:srgbClr val="000066"/>
+                </a:solidFill>
+                <a:latin typeface="微軟正黑體" pitchFamily="34" charset="-120"/>
+                <a:ea typeface="微軟正黑體" pitchFamily="34" charset="-120"/>
+              </a:rPr>
+              <a:t>5.</a:t>
+            </a:r>
+            <a:endParaRPr lang="en-US" sz="4000" b="1" dirty="0">
               <a:solidFill>
                 <a:srgbClr val="000066"/>
               </a:solidFill>
               <a:latin typeface="微軟正黑體" pitchFamily="34" charset="-120"/>
               <a:ea typeface="微軟正黑體" pitchFamily="34" charset="-120"/>
             </a:endParaRPr>
-          </a:p>
-          <a:p>
-            <a:pPr algn="ctr">
-              <a:buNone/>
-            </a:pPr>
-            <a:r>
-              <a:rPr lang="zh-TW" altLang="en-US" sz="5400" b="1" dirty="0" smtClean="0">
-                <a:solidFill>
-                  <a:srgbClr val="000066"/>
-                </a:solidFill>
-                <a:latin typeface="微軟正黑體" pitchFamily="34" charset="-120"/>
-                <a:ea typeface="微軟正黑體" pitchFamily="34" charset="-120"/>
-              </a:rPr>
-              <a:t>因</a:t>
-            </a:r>
-            <a:r>
-              <a:rPr lang="zh-TW" altLang="en-US" sz="5400" b="1" dirty="0">
-                <a:solidFill>
-                  <a:srgbClr val="000066"/>
-                </a:solidFill>
-                <a:latin typeface="微軟正黑體" pitchFamily="34" charset="-120"/>
-                <a:ea typeface="微軟正黑體" pitchFamily="34" charset="-120"/>
-              </a:rPr>
-              <a:t>祂一死戰勝萬</a:t>
-            </a:r>
-            <a:r>
-              <a:rPr lang="zh-TW" altLang="en-US" sz="5400" b="1" dirty="0" smtClean="0">
-                <a:solidFill>
-                  <a:srgbClr val="000066"/>
-                </a:solidFill>
-                <a:latin typeface="微軟正黑體" pitchFamily="34" charset="-120"/>
-                <a:ea typeface="微軟正黑體" pitchFamily="34" charset="-120"/>
-              </a:rPr>
-              <a:t>死</a:t>
-            </a:r>
-            <a:endParaRPr lang="en-US" altLang="zh-TW" sz="5400" b="1" dirty="0" smtClean="0">
-              <a:solidFill>
-                <a:srgbClr val="000066"/>
-              </a:solidFill>
-              <a:latin typeface="微軟正黑體" pitchFamily="34" charset="-120"/>
-              <a:ea typeface="微軟正黑體" pitchFamily="34" charset="-120"/>
-            </a:endParaRPr>
-          </a:p>
-          <a:p>
-            <a:pPr algn="ctr">
-              <a:buNone/>
-            </a:pPr>
-            <a:r>
-              <a:rPr lang="zh-TW" altLang="en-US" sz="5400" b="1" dirty="0" smtClean="0">
-                <a:solidFill>
-                  <a:srgbClr val="000066"/>
-                </a:solidFill>
-                <a:latin typeface="微軟正黑體" pitchFamily="34" charset="-120"/>
-                <a:ea typeface="微軟正黑體" pitchFamily="34" charset="-120"/>
-              </a:rPr>
-              <a:t>永生</a:t>
-            </a:r>
-            <a:r>
-              <a:rPr lang="zh-TW" altLang="en-US" sz="5400" b="1" dirty="0">
-                <a:solidFill>
-                  <a:srgbClr val="000066"/>
-                </a:solidFill>
-                <a:latin typeface="微軟正黑體" pitchFamily="34" charset="-120"/>
-                <a:ea typeface="微軟正黑體" pitchFamily="34" charset="-120"/>
-              </a:rPr>
-              <a:t>普及群生</a:t>
-            </a:r>
-          </a:p>
-        </p:txBody>
-      </p:sp>
-    </p:spTree>
-  </p:cSld>
-  <p:clrMapOvr>
-    <a:masterClrMapping/>
-  </p:clrMapOvr>
-</p:sld>
-</file>
-
-<file path=ppt/slides/slide7.xml><?xml version="1.0" encoding="utf-8"?>
-<p:sld xmlns:a="http://schemas.openxmlformats.org/drawingml/2006/main" xmlns:r="http://schemas.openxmlformats.org/officeDocument/2006/relationships" xmlns:p="http://schemas.openxmlformats.org/presentationml/2006/main">
-  <p:cSld>
-    <p:spTree>
-      <p:nvGrpSpPr>
-        <p:cNvPr id="1" name=""/>
-        <p:cNvGrpSpPr/>
-        <p:nvPr/>
-      </p:nvGrpSpPr>
-      <p:grpSpPr>
-        <a:xfrm>
-          <a:off x="0" y="0"/>
-          <a:ext cx="0" cy="0"/>
-          <a:chOff x="0" y="0"/>
-          <a:chExt cx="0" cy="0"/>
-        </a:xfrm>
-      </p:grpSpPr>
-      <p:sp>
-        <p:nvSpPr>
-          <p:cNvPr id="2" name="標題 1"/>
-          <p:cNvSpPr>
-            <a:spLocks noGrp="1"/>
-          </p:cNvSpPr>
-          <p:nvPr>
-            <p:ph type="title"/>
-          </p:nvPr>
-        </p:nvSpPr>
-        <p:spPr/>
-        <p:txBody>
-          <a:bodyPr/>
-          <a:lstStyle/>
-          <a:p>
-            <a:r>
-              <a:rPr lang="zh-TW" altLang="en-US" b="1" dirty="0">
-                <a:solidFill>
-                  <a:srgbClr val="000066"/>
-                </a:solidFill>
-                <a:latin typeface="微軟正黑體" pitchFamily="34" charset="-120"/>
-                <a:ea typeface="微軟正黑體" pitchFamily="34" charset="-120"/>
-              </a:rPr>
-              <a:t>擁戴為王</a:t>
-            </a:r>
-          </a:p>
-        </p:txBody>
-      </p:sp>
-      <p:sp>
-        <p:nvSpPr>
-          <p:cNvPr id="4" name="內容版面配置區 3"/>
-          <p:cNvSpPr>
-            <a:spLocks noGrp="1"/>
-          </p:cNvSpPr>
-          <p:nvPr>
-            <p:ph idx="1"/>
-          </p:nvPr>
-        </p:nvSpPr>
-        <p:spPr/>
-        <p:txBody>
-          <a:bodyPr>
-            <a:normAutofit/>
-          </a:bodyPr>
-          <a:lstStyle/>
-          <a:p>
-            <a:pPr algn="ctr">
-              <a:buNone/>
-            </a:pPr>
-            <a:r>
-              <a:rPr lang="zh-TW" altLang="en-US" sz="5400" b="1" dirty="0">
-                <a:solidFill>
-                  <a:srgbClr val="000066"/>
-                </a:solidFill>
-                <a:latin typeface="微軟正黑體" pitchFamily="34" charset="-120"/>
-                <a:ea typeface="微軟正黑體" pitchFamily="34" charset="-120"/>
-              </a:rPr>
-              <a:t>快來擁戴為</a:t>
-            </a:r>
-            <a:r>
-              <a:rPr lang="zh-TW" altLang="en-US" sz="5400" b="1" dirty="0" smtClean="0">
-                <a:solidFill>
-                  <a:srgbClr val="000066"/>
-                </a:solidFill>
-                <a:latin typeface="微軟正黑體" pitchFamily="34" charset="-120"/>
-                <a:ea typeface="微軟正黑體" pitchFamily="34" charset="-120"/>
-              </a:rPr>
-              <a:t>王</a:t>
-            </a:r>
-            <a:endParaRPr lang="en-US" altLang="zh-TW" sz="5400" b="1" dirty="0" smtClean="0">
-              <a:solidFill>
-                <a:srgbClr val="000066"/>
-              </a:solidFill>
-              <a:latin typeface="微軟正黑體" pitchFamily="34" charset="-120"/>
-              <a:ea typeface="微軟正黑體" pitchFamily="34" charset="-120"/>
-            </a:endParaRPr>
-          </a:p>
-          <a:p>
-            <a:pPr algn="ctr">
-              <a:buNone/>
-            </a:pPr>
-            <a:r>
-              <a:rPr lang="zh-TW" altLang="en-US" sz="5400" b="1" dirty="0" smtClean="0">
-                <a:solidFill>
-                  <a:srgbClr val="000066"/>
-                </a:solidFill>
-                <a:latin typeface="微軟正黑體" pitchFamily="34" charset="-120"/>
-                <a:ea typeface="微軟正黑體" pitchFamily="34" charset="-120"/>
-              </a:rPr>
-              <a:t>永建</a:t>
-            </a:r>
-            <a:r>
-              <a:rPr lang="zh-TW" altLang="en-US" sz="5400" b="1" dirty="0">
-                <a:solidFill>
-                  <a:srgbClr val="000066"/>
-                </a:solidFill>
-                <a:latin typeface="微軟正黑體" pitchFamily="34" charset="-120"/>
-                <a:ea typeface="微軟正黑體" pitchFamily="34" charset="-120"/>
-              </a:rPr>
-              <a:t>和平之</a:t>
-            </a:r>
-            <a:r>
-              <a:rPr lang="zh-TW" altLang="en-US" sz="5400" b="1" dirty="0" smtClean="0">
-                <a:solidFill>
-                  <a:srgbClr val="000066"/>
-                </a:solidFill>
-                <a:latin typeface="微軟正黑體" pitchFamily="34" charset="-120"/>
-                <a:ea typeface="微軟正黑體" pitchFamily="34" charset="-120"/>
-              </a:rPr>
-              <a:t>王</a:t>
-            </a:r>
-            <a:endParaRPr lang="en-US" altLang="zh-TW" sz="5400" b="1" dirty="0">
-              <a:solidFill>
-                <a:srgbClr val="000066"/>
-              </a:solidFill>
-              <a:latin typeface="微軟正黑體" pitchFamily="34" charset="-120"/>
-              <a:ea typeface="微軟正黑體" pitchFamily="34" charset="-120"/>
-            </a:endParaRPr>
-          </a:p>
-          <a:p>
-            <a:pPr algn="ctr">
-              <a:buNone/>
-            </a:pPr>
-            <a:r>
-              <a:rPr lang="zh-TW" altLang="en-US" sz="5400" b="1" dirty="0" smtClean="0">
-                <a:solidFill>
-                  <a:srgbClr val="000066"/>
-                </a:solidFill>
-                <a:latin typeface="微軟正黑體" pitchFamily="34" charset="-120"/>
-                <a:ea typeface="微軟正黑體" pitchFamily="34" charset="-120"/>
-              </a:rPr>
-              <a:t>普天之下</a:t>
-            </a:r>
-            <a:r>
-              <a:rPr lang="zh-TW" altLang="en-US" sz="5400" b="1" dirty="0">
-                <a:solidFill>
-                  <a:srgbClr val="000066"/>
-                </a:solidFill>
-                <a:latin typeface="微軟正黑體" pitchFamily="34" charset="-120"/>
-                <a:ea typeface="微軟正黑體" pitchFamily="34" charset="-120"/>
-              </a:rPr>
-              <a:t>戰事</a:t>
-            </a:r>
-            <a:r>
-              <a:rPr lang="zh-TW" altLang="en-US" sz="5400" b="1" dirty="0" smtClean="0">
-                <a:solidFill>
-                  <a:srgbClr val="000066"/>
-                </a:solidFill>
-                <a:latin typeface="微軟正黑體" pitchFamily="34" charset="-120"/>
-                <a:ea typeface="微軟正黑體" pitchFamily="34" charset="-120"/>
-              </a:rPr>
-              <a:t>止息</a:t>
-            </a:r>
-            <a:endParaRPr lang="en-US" altLang="zh-TW" sz="5400" b="1" dirty="0" smtClean="0">
-              <a:solidFill>
-                <a:srgbClr val="000066"/>
-              </a:solidFill>
-              <a:latin typeface="微軟正黑體" pitchFamily="34" charset="-120"/>
-              <a:ea typeface="微軟正黑體" pitchFamily="34" charset="-120"/>
-            </a:endParaRPr>
-          </a:p>
-          <a:p>
-            <a:pPr algn="ctr">
-              <a:buNone/>
-            </a:pPr>
-            <a:r>
-              <a:rPr lang="zh-TW" altLang="en-US" sz="5400" b="1" dirty="0" smtClean="0">
-                <a:solidFill>
-                  <a:srgbClr val="000066"/>
-                </a:solidFill>
-                <a:latin typeface="微軟正黑體" pitchFamily="34" charset="-120"/>
-                <a:ea typeface="微軟正黑體" pitchFamily="34" charset="-120"/>
-              </a:rPr>
-              <a:t>干戈</a:t>
-            </a:r>
-            <a:r>
-              <a:rPr lang="zh-TW" altLang="en-US" sz="5400" b="1" dirty="0">
-                <a:solidFill>
-                  <a:srgbClr val="000066"/>
-                </a:solidFill>
-                <a:latin typeface="微軟正黑體" pitchFamily="34" charset="-120"/>
-                <a:ea typeface="微軟正黑體" pitchFamily="34" charset="-120"/>
-              </a:rPr>
-              <a:t>化為頌揚</a:t>
-            </a:r>
-          </a:p>
-        </p:txBody>
-      </p:sp>
-    </p:spTree>
-  </p:cSld>
-  <p:clrMapOvr>
-    <a:masterClrMapping/>
-  </p:clrMapOvr>
-</p:sld>
-</file>
-
-<file path=ppt/slides/slide8.xml><?xml version="1.0" encoding="utf-8"?>
-<p:sld xmlns:a="http://schemas.openxmlformats.org/drawingml/2006/main" xmlns:r="http://schemas.openxmlformats.org/officeDocument/2006/relationships" xmlns:p="http://schemas.openxmlformats.org/presentationml/2006/main">
-  <p:cSld>
-    <p:spTree>
-      <p:nvGrpSpPr>
-        <p:cNvPr id="1" name=""/>
-        <p:cNvGrpSpPr/>
-        <p:nvPr/>
-      </p:nvGrpSpPr>
-      <p:grpSpPr>
-        <a:xfrm>
-          <a:off x="0" y="0"/>
-          <a:ext cx="0" cy="0"/>
-          <a:chOff x="0" y="0"/>
-          <a:chExt cx="0" cy="0"/>
-        </a:xfrm>
-      </p:grpSpPr>
-      <p:sp>
-        <p:nvSpPr>
-          <p:cNvPr id="2" name="標題 1"/>
-          <p:cNvSpPr>
-            <a:spLocks noGrp="1"/>
-          </p:cNvSpPr>
-          <p:nvPr>
-            <p:ph type="title"/>
-          </p:nvPr>
-        </p:nvSpPr>
-        <p:spPr/>
-        <p:txBody>
-          <a:bodyPr/>
-          <a:lstStyle/>
-          <a:p>
-            <a:r>
-              <a:rPr lang="zh-TW" altLang="en-US" b="1" dirty="0">
-                <a:solidFill>
-                  <a:srgbClr val="000066"/>
-                </a:solidFill>
-                <a:latin typeface="微軟正黑體" pitchFamily="34" charset="-120"/>
-                <a:ea typeface="微軟正黑體" pitchFamily="34" charset="-120"/>
-              </a:rPr>
-              <a:t>擁戴為王</a:t>
-            </a:r>
-          </a:p>
-        </p:txBody>
-      </p:sp>
-      <p:sp>
-        <p:nvSpPr>
-          <p:cNvPr id="4" name="內容版面配置區 3"/>
-          <p:cNvSpPr>
-            <a:spLocks noGrp="1"/>
-          </p:cNvSpPr>
-          <p:nvPr>
-            <p:ph idx="1"/>
-          </p:nvPr>
-        </p:nvSpPr>
-        <p:spPr/>
-        <p:txBody>
-          <a:bodyPr>
-            <a:normAutofit/>
-          </a:bodyPr>
-          <a:lstStyle/>
-          <a:p>
-            <a:pPr algn="ctr">
-              <a:buNone/>
-            </a:pPr>
-            <a:r>
-              <a:rPr lang="zh-TW" altLang="en-US" sz="5400" b="1" dirty="0">
-                <a:solidFill>
-                  <a:srgbClr val="000066"/>
-                </a:solidFill>
-                <a:latin typeface="微軟正黑體" pitchFamily="34" charset="-120"/>
-                <a:ea typeface="微軟正黑體" pitchFamily="34" charset="-120"/>
-              </a:rPr>
-              <a:t>主治萬國</a:t>
-            </a:r>
-            <a:r>
-              <a:rPr lang="zh-TW" altLang="en-US" sz="5400" b="1" dirty="0" smtClean="0">
-                <a:solidFill>
-                  <a:srgbClr val="000066"/>
-                </a:solidFill>
-                <a:latin typeface="微軟正黑體" pitchFamily="34" charset="-120"/>
-                <a:ea typeface="微軟正黑體" pitchFamily="34" charset="-120"/>
-              </a:rPr>
-              <a:t>萬方</a:t>
-            </a:r>
-            <a:endParaRPr lang="en-US" altLang="zh-TW" sz="5400" b="1" dirty="0" smtClean="0">
-              <a:solidFill>
-                <a:srgbClr val="000066"/>
-              </a:solidFill>
-              <a:latin typeface="微軟正黑體" pitchFamily="34" charset="-120"/>
-              <a:ea typeface="微軟正黑體" pitchFamily="34" charset="-120"/>
-            </a:endParaRPr>
-          </a:p>
-          <a:p>
-            <a:pPr algn="ctr">
-              <a:buNone/>
-            </a:pPr>
-            <a:r>
-              <a:rPr lang="zh-TW" altLang="en-US" sz="5400" b="1" dirty="0" smtClean="0">
-                <a:solidFill>
-                  <a:srgbClr val="000066"/>
-                </a:solidFill>
-                <a:latin typeface="微軟正黑體" pitchFamily="34" charset="-120"/>
-                <a:ea typeface="微軟正黑體" pitchFamily="34" charset="-120"/>
-              </a:rPr>
-              <a:t>主權地久天長</a:t>
-            </a:r>
-            <a:endParaRPr lang="en-US" altLang="zh-TW" sz="5400" b="1" dirty="0">
-              <a:solidFill>
-                <a:srgbClr val="000066"/>
-              </a:solidFill>
-              <a:latin typeface="微軟正黑體" pitchFamily="34" charset="-120"/>
-              <a:ea typeface="微軟正黑體" pitchFamily="34" charset="-120"/>
-            </a:endParaRPr>
-          </a:p>
-          <a:p>
-            <a:pPr algn="ctr">
-              <a:buNone/>
-            </a:pPr>
-            <a:r>
-              <a:rPr lang="zh-TW" altLang="en-US" sz="5400" b="1" dirty="0" smtClean="0">
-                <a:solidFill>
-                  <a:srgbClr val="000066"/>
-                </a:solidFill>
-                <a:latin typeface="微軟正黑體" pitchFamily="34" charset="-120"/>
-                <a:ea typeface="微軟正黑體" pitchFamily="34" charset="-120"/>
-              </a:rPr>
-              <a:t>寶</a:t>
-            </a:r>
-            <a:r>
-              <a:rPr lang="zh-TW" altLang="en-US" sz="5400" b="1" dirty="0">
-                <a:solidFill>
-                  <a:srgbClr val="000066"/>
-                </a:solidFill>
-                <a:latin typeface="微軟正黑體" pitchFamily="34" charset="-120"/>
-                <a:ea typeface="微軟正黑體" pitchFamily="34" charset="-120"/>
-              </a:rPr>
-              <a:t>血所滋生命花</a:t>
-            </a:r>
-            <a:r>
-              <a:rPr lang="zh-TW" altLang="en-US" sz="5400" b="1" dirty="0" smtClean="0">
-                <a:solidFill>
-                  <a:srgbClr val="000066"/>
-                </a:solidFill>
-                <a:latin typeface="微軟正黑體" pitchFamily="34" charset="-120"/>
-                <a:ea typeface="微軟正黑體" pitchFamily="34" charset="-120"/>
-              </a:rPr>
-              <a:t>放</a:t>
-            </a:r>
-            <a:endParaRPr lang="en-US" altLang="zh-TW" sz="5400" b="1" dirty="0" smtClean="0">
-              <a:solidFill>
-                <a:srgbClr val="000066"/>
-              </a:solidFill>
-              <a:latin typeface="微軟正黑體" pitchFamily="34" charset="-120"/>
-              <a:ea typeface="微軟正黑體" pitchFamily="34" charset="-120"/>
-            </a:endParaRPr>
-          </a:p>
-          <a:p>
-            <a:pPr algn="ctr">
-              <a:buNone/>
-            </a:pPr>
-            <a:r>
-              <a:rPr lang="zh-TW" altLang="en-US" sz="5400" b="1" dirty="0" smtClean="0">
-                <a:solidFill>
-                  <a:srgbClr val="000066"/>
-                </a:solidFill>
-                <a:latin typeface="微軟正黑體" pitchFamily="34" charset="-120"/>
-                <a:ea typeface="微軟正黑體" pitchFamily="34" charset="-120"/>
-              </a:rPr>
-              <a:t>薈</a:t>
-            </a:r>
-            <a:r>
-              <a:rPr lang="zh-TW" altLang="en-US" sz="5400" b="1" dirty="0">
-                <a:solidFill>
-                  <a:srgbClr val="000066"/>
-                </a:solidFill>
-                <a:latin typeface="微軟正黑體" pitchFamily="34" charset="-120"/>
-                <a:ea typeface="微軟正黑體" pitchFamily="34" charset="-120"/>
-              </a:rPr>
-              <a:t>成異彩天香</a:t>
-            </a:r>
-          </a:p>
-        </p:txBody>
-      </p:sp>
-    </p:spTree>
-  </p:cSld>
-  <p:clrMapOvr>
-    <a:masterClrMapping/>
-  </p:clrMapOvr>
-</p:sld>
-</file>
-
-<file path=ppt/slides/slide9.xml><?xml version="1.0" encoding="utf-8"?>
-<p:sld xmlns:a="http://schemas.openxmlformats.org/drawingml/2006/main" xmlns:r="http://schemas.openxmlformats.org/officeDocument/2006/relationships" xmlns:p="http://schemas.openxmlformats.org/presentationml/2006/main">
-  <p:cSld>
-    <p:spTree>
-      <p:nvGrpSpPr>
-        <p:cNvPr id="1" name=""/>
-        <p:cNvGrpSpPr/>
-        <p:nvPr/>
-      </p:nvGrpSpPr>
-      <p:grpSpPr>
-        <a:xfrm>
-          <a:off x="0" y="0"/>
-          <a:ext cx="0" cy="0"/>
-          <a:chOff x="0" y="0"/>
-          <a:chExt cx="0" cy="0"/>
-        </a:xfrm>
-      </p:grpSpPr>
-      <p:sp>
-        <p:nvSpPr>
-          <p:cNvPr id="2" name="標題 1"/>
-          <p:cNvSpPr>
-            <a:spLocks noGrp="1"/>
-          </p:cNvSpPr>
-          <p:nvPr>
-            <p:ph type="title"/>
-          </p:nvPr>
-        </p:nvSpPr>
-        <p:spPr/>
-        <p:txBody>
-          <a:bodyPr/>
-          <a:lstStyle/>
-          <a:p>
-            <a:r>
-              <a:rPr lang="zh-TW" altLang="en-US" b="1" dirty="0">
-                <a:solidFill>
-                  <a:srgbClr val="000066"/>
-                </a:solidFill>
-                <a:latin typeface="微軟正黑體" pitchFamily="34" charset="-120"/>
-                <a:ea typeface="微軟正黑體" pitchFamily="34" charset="-120"/>
-              </a:rPr>
-              <a:t>擁戴為王</a:t>
-            </a:r>
-          </a:p>
-        </p:txBody>
-      </p:sp>
-      <p:sp>
-        <p:nvSpPr>
-          <p:cNvPr id="4" name="內容版面配置區 3"/>
-          <p:cNvSpPr>
-            <a:spLocks noGrp="1"/>
-          </p:cNvSpPr>
-          <p:nvPr>
-            <p:ph idx="1"/>
-          </p:nvPr>
-        </p:nvSpPr>
-        <p:spPr/>
-        <p:txBody>
-          <a:bodyPr>
-            <a:normAutofit/>
-          </a:bodyPr>
-          <a:lstStyle/>
-          <a:p>
-            <a:pPr algn="ctr">
-              <a:buNone/>
-            </a:pPr>
-            <a:r>
-              <a:rPr lang="zh-TW" altLang="en-US" sz="5400" b="1" dirty="0">
-                <a:solidFill>
-                  <a:srgbClr val="000066"/>
-                </a:solidFill>
-                <a:latin typeface="微軟正黑體" pitchFamily="34" charset="-120"/>
-                <a:ea typeface="微軟正黑體" pitchFamily="34" charset="-120"/>
-              </a:rPr>
-              <a:t>快來擁戴為</a:t>
-            </a:r>
-            <a:r>
-              <a:rPr lang="zh-TW" altLang="en-US" sz="5400" b="1" dirty="0" smtClean="0">
-                <a:solidFill>
-                  <a:srgbClr val="000066"/>
-                </a:solidFill>
-                <a:latin typeface="微軟正黑體" pitchFamily="34" charset="-120"/>
-                <a:ea typeface="微軟正黑體" pitchFamily="34" charset="-120"/>
-              </a:rPr>
-              <a:t>王</a:t>
-            </a:r>
-            <a:endParaRPr lang="en-US" altLang="zh-TW" sz="5400" b="1" dirty="0" smtClean="0">
-              <a:solidFill>
-                <a:srgbClr val="000066"/>
-              </a:solidFill>
-              <a:latin typeface="微軟正黑體" pitchFamily="34" charset="-120"/>
-              <a:ea typeface="微軟正黑體" pitchFamily="34" charset="-120"/>
-            </a:endParaRPr>
-          </a:p>
-          <a:p>
-            <a:pPr algn="ctr">
-              <a:buNone/>
-            </a:pPr>
-            <a:r>
-              <a:rPr lang="zh-TW" altLang="en-US" sz="5400" b="1" dirty="0" smtClean="0">
-                <a:solidFill>
-                  <a:srgbClr val="000066"/>
-                </a:solidFill>
-                <a:latin typeface="微軟正黑體" pitchFamily="34" charset="-120"/>
-                <a:ea typeface="微軟正黑體" pitchFamily="34" charset="-120"/>
-              </a:rPr>
-              <a:t>人</a:t>
-            </a:r>
-            <a:r>
-              <a:rPr lang="zh-TW" altLang="en-US" sz="5400" b="1" dirty="0">
-                <a:solidFill>
-                  <a:srgbClr val="000066"/>
-                </a:solidFill>
-                <a:latin typeface="微軟正黑體" pitchFamily="34" charset="-120"/>
-                <a:ea typeface="微軟正黑體" pitchFamily="34" charset="-120"/>
-              </a:rPr>
-              <a:t>天共戴之</a:t>
-            </a:r>
-            <a:r>
-              <a:rPr lang="zh-TW" altLang="en-US" sz="5400" b="1" dirty="0" smtClean="0">
-                <a:solidFill>
-                  <a:srgbClr val="000066"/>
-                </a:solidFill>
-                <a:latin typeface="微軟正黑體" pitchFamily="34" charset="-120"/>
-                <a:ea typeface="微軟正黑體" pitchFamily="34" charset="-120"/>
-              </a:rPr>
-              <a:t>王</a:t>
-            </a:r>
-            <a:endParaRPr lang="en-US" altLang="zh-TW" sz="5400" b="1" dirty="0">
-              <a:solidFill>
-                <a:srgbClr val="000066"/>
-              </a:solidFill>
-              <a:latin typeface="微軟正黑體" pitchFamily="34" charset="-120"/>
-              <a:ea typeface="微軟正黑體" pitchFamily="34" charset="-120"/>
-            </a:endParaRPr>
-          </a:p>
-          <a:p>
-            <a:pPr algn="ctr">
-              <a:buNone/>
-            </a:pPr>
-            <a:r>
-              <a:rPr lang="zh-TW" altLang="en-US" sz="5400" b="1" dirty="0" smtClean="0">
-                <a:solidFill>
-                  <a:srgbClr val="000066"/>
-                </a:solidFill>
-                <a:latin typeface="微軟正黑體" pitchFamily="34" charset="-120"/>
-                <a:ea typeface="微軟正黑體" pitchFamily="34" charset="-120"/>
-              </a:rPr>
-              <a:t>萬</a:t>
-            </a:r>
-            <a:r>
-              <a:rPr lang="zh-TW" altLang="en-US" sz="5400" b="1" dirty="0">
-                <a:solidFill>
-                  <a:srgbClr val="000066"/>
-                </a:solidFill>
-                <a:latin typeface="微軟正黑體" pitchFamily="34" charset="-120"/>
-                <a:ea typeface="微軟正黑體" pitchFamily="34" charset="-120"/>
-              </a:rPr>
-              <a:t>靈稱祂奇妙愛</a:t>
-            </a:r>
-            <a:r>
-              <a:rPr lang="zh-TW" altLang="en-US" sz="5400" b="1" dirty="0" smtClean="0">
-                <a:solidFill>
-                  <a:srgbClr val="000066"/>
-                </a:solidFill>
-                <a:latin typeface="微軟正黑體" pitchFamily="34" charset="-120"/>
-                <a:ea typeface="微軟正黑體" pitchFamily="34" charset="-120"/>
-              </a:rPr>
-              <a:t>名</a:t>
-            </a:r>
-            <a:endParaRPr lang="en-US" altLang="zh-TW" sz="5400" b="1" dirty="0" smtClean="0">
-              <a:solidFill>
-                <a:srgbClr val="000066"/>
-              </a:solidFill>
-              <a:latin typeface="微軟正黑體" pitchFamily="34" charset="-120"/>
-              <a:ea typeface="微軟正黑體" pitchFamily="34" charset="-120"/>
-            </a:endParaRPr>
-          </a:p>
-          <a:p>
-            <a:pPr algn="ctr">
-              <a:buNone/>
-            </a:pPr>
-            <a:r>
-              <a:rPr lang="zh-TW" altLang="en-US" sz="5400" b="1" dirty="0" smtClean="0">
-                <a:solidFill>
-                  <a:srgbClr val="000066"/>
-                </a:solidFill>
-                <a:latin typeface="微軟正黑體" pitchFamily="34" charset="-120"/>
-                <a:ea typeface="微軟正黑體" pitchFamily="34" charset="-120"/>
-              </a:rPr>
-              <a:t>萬世</a:t>
-            </a:r>
-            <a:r>
-              <a:rPr lang="zh-TW" altLang="en-US" sz="5400" b="1" dirty="0">
-                <a:solidFill>
-                  <a:srgbClr val="000066"/>
-                </a:solidFill>
-                <a:latin typeface="微軟正黑體" pitchFamily="34" charset="-120"/>
-                <a:ea typeface="微軟正黑體" pitchFamily="34" charset="-120"/>
-              </a:rPr>
-              <a:t>尊祂至上</a:t>
-            </a:r>
           </a:p>
         </p:txBody>
       </p:sp>
